--- a/Презентация.pptx
+++ b/Презентация.pptx
@@ -4,6 +4,15 @@
   <p:sldMasterIdLst>
     <p:sldMasterId id="2147483648" r:id="rId1"/>
   </p:sldMasterIdLst>
+  <p:sldIdLst>
+    <p:sldId id="256" r:id="rId2"/>
+    <p:sldId id="257" r:id="rId3"/>
+    <p:sldId id="258" r:id="rId4"/>
+    <p:sldId id="259" r:id="rId5"/>
+    <p:sldId id="260" r:id="rId6"/>
+    <p:sldId id="261" r:id="rId7"/>
+    <p:sldId id="262" r:id="rId8"/>
+  </p:sldIdLst>
   <p:sldSz cx="9144000" cy="6858000" type="screen4x3"/>
   <p:notesSz cx="6858000" cy="9144000"/>
   <p:defaultTextStyle>
@@ -285,7 +294,8 @@
           <a:p>
             <a:fld id="{5B106E36-FD25-4E2D-B0AA-010F637433A0}" type="datetimeFigureOut">
               <a:rPr lang="ru-RU" smtClean="0"/>
-              <a:t>03.11.2006</a:t>
+              <a:pPr/>
+              <a:t>16.05.2021</a:t>
             </a:fld>
             <a:endParaRPr lang="ru-RU"/>
           </a:p>
@@ -327,6 +337,7 @@
           <a:p>
             <a:fld id="{725C68B6-61C2-468F-89AB-4B9F7531AA68}" type="slidenum">
               <a:rPr lang="ru-RU" smtClean="0"/>
+              <a:pPr/>
               <a:t>‹#›</a:t>
             </a:fld>
             <a:endParaRPr lang="ru-RU"/>
@@ -450,7 +461,8 @@
           <a:p>
             <a:fld id="{5B106E36-FD25-4E2D-B0AA-010F637433A0}" type="datetimeFigureOut">
               <a:rPr lang="ru-RU" smtClean="0"/>
-              <a:t>03.11.2006</a:t>
+              <a:pPr/>
+              <a:t>16.05.2021</a:t>
             </a:fld>
             <a:endParaRPr lang="ru-RU"/>
           </a:p>
@@ -492,6 +504,7 @@
           <a:p>
             <a:fld id="{725C68B6-61C2-468F-89AB-4B9F7531AA68}" type="slidenum">
               <a:rPr lang="ru-RU" smtClean="0"/>
+              <a:pPr/>
               <a:t>‹#›</a:t>
             </a:fld>
             <a:endParaRPr lang="ru-RU"/>
@@ -625,7 +638,8 @@
           <a:p>
             <a:fld id="{5B106E36-FD25-4E2D-B0AA-010F637433A0}" type="datetimeFigureOut">
               <a:rPr lang="ru-RU" smtClean="0"/>
-              <a:t>03.11.2006</a:t>
+              <a:pPr/>
+              <a:t>16.05.2021</a:t>
             </a:fld>
             <a:endParaRPr lang="ru-RU"/>
           </a:p>
@@ -667,6 +681,7 @@
           <a:p>
             <a:fld id="{725C68B6-61C2-468F-89AB-4B9F7531AA68}" type="slidenum">
               <a:rPr lang="ru-RU" smtClean="0"/>
+              <a:pPr/>
               <a:t>‹#›</a:t>
             </a:fld>
             <a:endParaRPr lang="ru-RU"/>
@@ -790,7 +805,8 @@
           <a:p>
             <a:fld id="{5B106E36-FD25-4E2D-B0AA-010F637433A0}" type="datetimeFigureOut">
               <a:rPr lang="ru-RU" smtClean="0"/>
-              <a:t>03.11.2006</a:t>
+              <a:pPr/>
+              <a:t>16.05.2021</a:t>
             </a:fld>
             <a:endParaRPr lang="ru-RU"/>
           </a:p>
@@ -832,6 +848,7 @@
           <a:p>
             <a:fld id="{725C68B6-61C2-468F-89AB-4B9F7531AA68}" type="slidenum">
               <a:rPr lang="ru-RU" smtClean="0"/>
+              <a:pPr/>
               <a:t>‹#›</a:t>
             </a:fld>
             <a:endParaRPr lang="ru-RU"/>
@@ -1031,7 +1048,8 @@
           <a:p>
             <a:fld id="{5B106E36-FD25-4E2D-B0AA-010F637433A0}" type="datetimeFigureOut">
               <a:rPr lang="ru-RU" smtClean="0"/>
-              <a:t>03.11.2006</a:t>
+              <a:pPr/>
+              <a:t>16.05.2021</a:t>
             </a:fld>
             <a:endParaRPr lang="ru-RU"/>
           </a:p>
@@ -1073,6 +1091,7 @@
           <a:p>
             <a:fld id="{725C68B6-61C2-468F-89AB-4B9F7531AA68}" type="slidenum">
               <a:rPr lang="ru-RU" smtClean="0"/>
+              <a:pPr/>
               <a:t>‹#›</a:t>
             </a:fld>
             <a:endParaRPr lang="ru-RU"/>
@@ -1314,7 +1333,8 @@
           <a:p>
             <a:fld id="{5B106E36-FD25-4E2D-B0AA-010F637433A0}" type="datetimeFigureOut">
               <a:rPr lang="ru-RU" smtClean="0"/>
-              <a:t>03.11.2006</a:t>
+              <a:pPr/>
+              <a:t>16.05.2021</a:t>
             </a:fld>
             <a:endParaRPr lang="ru-RU"/>
           </a:p>
@@ -1356,6 +1376,7 @@
           <a:p>
             <a:fld id="{725C68B6-61C2-468F-89AB-4B9F7531AA68}" type="slidenum">
               <a:rPr lang="ru-RU" smtClean="0"/>
+              <a:pPr/>
               <a:t>‹#›</a:t>
             </a:fld>
             <a:endParaRPr lang="ru-RU"/>
@@ -1731,7 +1752,8 @@
           <a:p>
             <a:fld id="{5B106E36-FD25-4E2D-B0AA-010F637433A0}" type="datetimeFigureOut">
               <a:rPr lang="ru-RU" smtClean="0"/>
-              <a:t>03.11.2006</a:t>
+              <a:pPr/>
+              <a:t>16.05.2021</a:t>
             </a:fld>
             <a:endParaRPr lang="ru-RU"/>
           </a:p>
@@ -1773,6 +1795,7 @@
           <a:p>
             <a:fld id="{725C68B6-61C2-468F-89AB-4B9F7531AA68}" type="slidenum">
               <a:rPr lang="ru-RU" smtClean="0"/>
+              <a:pPr/>
               <a:t>‹#›</a:t>
             </a:fld>
             <a:endParaRPr lang="ru-RU"/>
@@ -1844,7 +1867,8 @@
           <a:p>
             <a:fld id="{5B106E36-FD25-4E2D-B0AA-010F637433A0}" type="datetimeFigureOut">
               <a:rPr lang="ru-RU" smtClean="0"/>
-              <a:t>03.11.2006</a:t>
+              <a:pPr/>
+              <a:t>16.05.2021</a:t>
             </a:fld>
             <a:endParaRPr lang="ru-RU"/>
           </a:p>
@@ -1886,6 +1910,7 @@
           <a:p>
             <a:fld id="{725C68B6-61C2-468F-89AB-4B9F7531AA68}" type="slidenum">
               <a:rPr lang="ru-RU" smtClean="0"/>
+              <a:pPr/>
               <a:t>‹#›</a:t>
             </a:fld>
             <a:endParaRPr lang="ru-RU"/>
@@ -1934,7 +1959,8 @@
           <a:p>
             <a:fld id="{5B106E36-FD25-4E2D-B0AA-010F637433A0}" type="datetimeFigureOut">
               <a:rPr lang="ru-RU" smtClean="0"/>
-              <a:t>03.11.2006</a:t>
+              <a:pPr/>
+              <a:t>16.05.2021</a:t>
             </a:fld>
             <a:endParaRPr lang="ru-RU"/>
           </a:p>
@@ -1976,6 +2002,7 @@
           <a:p>
             <a:fld id="{725C68B6-61C2-468F-89AB-4B9F7531AA68}" type="slidenum">
               <a:rPr lang="ru-RU" smtClean="0"/>
+              <a:pPr/>
               <a:t>‹#›</a:t>
             </a:fld>
             <a:endParaRPr lang="ru-RU"/>
@@ -2206,7 +2233,8 @@
           <a:p>
             <a:fld id="{5B106E36-FD25-4E2D-B0AA-010F637433A0}" type="datetimeFigureOut">
               <a:rPr lang="ru-RU" smtClean="0"/>
-              <a:t>03.11.2006</a:t>
+              <a:pPr/>
+              <a:t>16.05.2021</a:t>
             </a:fld>
             <a:endParaRPr lang="ru-RU"/>
           </a:p>
@@ -2248,6 +2276,7 @@
           <a:p>
             <a:fld id="{725C68B6-61C2-468F-89AB-4B9F7531AA68}" type="slidenum">
               <a:rPr lang="ru-RU" smtClean="0"/>
+              <a:pPr/>
               <a:t>‹#›</a:t>
             </a:fld>
             <a:endParaRPr lang="ru-RU"/>
@@ -2454,7 +2483,8 @@
           <a:p>
             <a:fld id="{5B106E36-FD25-4E2D-B0AA-010F637433A0}" type="datetimeFigureOut">
               <a:rPr lang="ru-RU" smtClean="0"/>
-              <a:t>03.11.2006</a:t>
+              <a:pPr/>
+              <a:t>16.05.2021</a:t>
             </a:fld>
             <a:endParaRPr lang="ru-RU"/>
           </a:p>
@@ -2496,6 +2526,7 @@
           <a:p>
             <a:fld id="{725C68B6-61C2-468F-89AB-4B9F7531AA68}" type="slidenum">
               <a:rPr lang="ru-RU" smtClean="0"/>
+              <a:pPr/>
               <a:t>‹#›</a:t>
             </a:fld>
             <a:endParaRPr lang="ru-RU"/>
@@ -2662,7 +2693,8 @@
           <a:p>
             <a:fld id="{5B106E36-FD25-4E2D-B0AA-010F637433A0}" type="datetimeFigureOut">
               <a:rPr lang="ru-RU" smtClean="0"/>
-              <a:t>03.11.2006</a:t>
+              <a:pPr/>
+              <a:t>16.05.2021</a:t>
             </a:fld>
             <a:endParaRPr lang="ru-RU"/>
           </a:p>
@@ -2740,6 +2772,7 @@
           <a:p>
             <a:fld id="{725C68B6-61C2-468F-89AB-4B9F7531AA68}" type="slidenum">
               <a:rPr lang="ru-RU" smtClean="0"/>
+              <a:pPr/>
               <a:t>‹#›</a:t>
             </a:fld>
             <a:endParaRPr lang="ru-RU"/>
@@ -3013,6 +3046,756 @@
     </p:otherStyle>
   </p:txStyles>
 </p:sldMaster>
+</file>
+
+<file path=ppt/slides/slide1.xml><?xml version="1.0" encoding="utf-8"?>
+<p:sld xmlns:a="http://schemas.openxmlformats.org/drawingml/2006/main" xmlns:r="http://schemas.openxmlformats.org/officeDocument/2006/relationships" xmlns:p="http://schemas.openxmlformats.org/presentationml/2006/main">
+  <p:cSld>
+    <p:spTree>
+      <p:nvGrpSpPr>
+        <p:cNvPr id="1" name=""/>
+        <p:cNvGrpSpPr/>
+        <p:nvPr/>
+      </p:nvGrpSpPr>
+      <p:grpSpPr>
+        <a:xfrm>
+          <a:off x="0" y="0"/>
+          <a:ext cx="0" cy="0"/>
+          <a:chOff x="0" y="0"/>
+          <a:chExt cx="0" cy="0"/>
+        </a:xfrm>
+      </p:grpSpPr>
+      <p:sp>
+        <p:nvSpPr>
+          <p:cNvPr id="2" name="Заголовок 1"/>
+          <p:cNvSpPr>
+            <a:spLocks noGrp="1"/>
+          </p:cNvSpPr>
+          <p:nvPr>
+            <p:ph type="ctrTitle"/>
+          </p:nvPr>
+        </p:nvSpPr>
+        <p:spPr/>
+        <p:txBody>
+          <a:bodyPr>
+            <a:normAutofit fontScale="90000"/>
+          </a:bodyPr>
+          <a:lstStyle/>
+          <a:p>
+            <a:r>
+              <a:rPr lang="ru-RU" dirty="0" smtClean="0"/>
+              <a:t>Создание сервера и клиента для распределённых вычислений</a:t>
+            </a:r>
+            <a:endParaRPr lang="ru-RU" dirty="0"/>
+          </a:p>
+        </p:txBody>
+      </p:sp>
+      <p:sp>
+        <p:nvSpPr>
+          <p:cNvPr id="3" name="Подзаголовок 2"/>
+          <p:cNvSpPr>
+            <a:spLocks noGrp="1"/>
+          </p:cNvSpPr>
+          <p:nvPr>
+            <p:ph type="subTitle" idx="1"/>
+          </p:nvPr>
+        </p:nvSpPr>
+        <p:spPr/>
+        <p:txBody>
+          <a:bodyPr/>
+          <a:lstStyle/>
+          <a:p>
+            <a:pPr algn="r"/>
+            <a:r>
+              <a:rPr lang="ru-RU" dirty="0" err="1" smtClean="0"/>
+              <a:t>Завёрткин</a:t>
+            </a:r>
+            <a:r>
+              <a:rPr lang="ru-RU" dirty="0" smtClean="0"/>
+              <a:t> </a:t>
+            </a:r>
+            <a:r>
+              <a:rPr lang="ru-RU" dirty="0" err="1" smtClean="0"/>
+              <a:t>михаил</a:t>
+            </a:r>
+            <a:endParaRPr lang="ru-RU" dirty="0" smtClean="0"/>
+          </a:p>
+          <a:p>
+            <a:pPr algn="r"/>
+            <a:r>
+              <a:rPr lang="ru-RU" dirty="0" smtClean="0"/>
+              <a:t>Лицей №136</a:t>
+            </a:r>
+            <a:endParaRPr lang="ru-RU" dirty="0"/>
+          </a:p>
+        </p:txBody>
+      </p:sp>
+    </p:spTree>
+  </p:cSld>
+  <p:clrMapOvr>
+    <a:masterClrMapping/>
+  </p:clrMapOvr>
+</p:sld>
+</file>
+
+<file path=ppt/slides/slide2.xml><?xml version="1.0" encoding="utf-8"?>
+<p:sld xmlns:a="http://schemas.openxmlformats.org/drawingml/2006/main" xmlns:r="http://schemas.openxmlformats.org/officeDocument/2006/relationships" xmlns:p="http://schemas.openxmlformats.org/presentationml/2006/main">
+  <p:cSld>
+    <p:spTree>
+      <p:nvGrpSpPr>
+        <p:cNvPr id="1" name=""/>
+        <p:cNvGrpSpPr/>
+        <p:nvPr/>
+      </p:nvGrpSpPr>
+      <p:grpSpPr>
+        <a:xfrm>
+          <a:off x="0" y="0"/>
+          <a:ext cx="0" cy="0"/>
+          <a:chOff x="0" y="0"/>
+          <a:chExt cx="0" cy="0"/>
+        </a:xfrm>
+      </p:grpSpPr>
+      <p:sp>
+        <p:nvSpPr>
+          <p:cNvPr id="2" name="Заголовок 1"/>
+          <p:cNvSpPr>
+            <a:spLocks noGrp="1"/>
+          </p:cNvSpPr>
+          <p:nvPr>
+            <p:ph type="title"/>
+          </p:nvPr>
+        </p:nvSpPr>
+        <p:spPr/>
+        <p:txBody>
+          <a:bodyPr/>
+          <a:lstStyle/>
+          <a:p>
+            <a:r>
+              <a:rPr lang="ru-RU" dirty="0" smtClean="0"/>
+              <a:t>Введение</a:t>
+            </a:r>
+            <a:endParaRPr lang="ru-RU" dirty="0"/>
+          </a:p>
+        </p:txBody>
+      </p:sp>
+      <p:sp>
+        <p:nvSpPr>
+          <p:cNvPr id="3" name="Содержимое 2"/>
+          <p:cNvSpPr>
+            <a:spLocks noGrp="1"/>
+          </p:cNvSpPr>
+          <p:nvPr>
+            <p:ph idx="1"/>
+          </p:nvPr>
+        </p:nvSpPr>
+        <p:spPr/>
+        <p:txBody>
+          <a:bodyPr/>
+          <a:lstStyle/>
+          <a:p>
+            <a:endParaRPr lang="ru-RU"/>
+          </a:p>
+        </p:txBody>
+      </p:sp>
+      <p:pic>
+        <p:nvPicPr>
+          <p:cNvPr id="4" name="Рисунок 3" descr="https://www.crn.ru/upload/iblock/425/yar6jul_idc.jpg"/>
+          <p:cNvPicPr/>
+          <p:nvPr/>
+        </p:nvPicPr>
+        <p:blipFill>
+          <a:blip r:embed="rId2">
+            <a:extLst>
+              <a:ext uri="{28A0092B-C50C-407E-A947-70E740481C1C}">
+                <a14:useLocalDpi xmlns="" xmlns:wpc="http://schemas.microsoft.com/office/word/2010/wordprocessingCanvas" xmlns:mc="http://schemas.openxmlformats.org/markup-compatibility/2006" xmlns:o="urn:schemas-microsoft-com:office:office" xmlns:m="http://schemas.openxmlformats.org/officeDocument/2006/math" xmlns:v="urn:schemas-microsoft-com:vml" xmlns:wp14="http://schemas.microsoft.com/office/word/2010/wordprocessingDrawing" xmlns:wp="http://schemas.openxmlformats.org/drawingml/2006/wordprocessingDrawing" xmlns:w10="urn:schemas-microsoft-com:office:word" xmlns:w="http://schemas.openxmlformats.org/wordprocessingml/2006/main" xmlns:w14="http://schemas.microsoft.com/office/word/2010/wordml" xmlns:w15="http://schemas.microsoft.com/office/word/2012/wordml" xmlns:wpg="http://schemas.microsoft.com/office/word/2010/wordprocessingGroup" xmlns:wpi="http://schemas.microsoft.com/office/word/2010/wordprocessingInk" xmlns:wne="http://schemas.microsoft.com/office/word/2006/wordml" xmlns:wps="http://schemas.microsoft.com/office/word/2010/wordprocessingShape" xmlns:a14="http://schemas.microsoft.com/office/drawing/2010/main" xmlns:pic="http://schemas.openxmlformats.org/drawingml/2006/picture" xmlns:lc="http://schemas.openxmlformats.org/drawingml/2006/lockedCanvas" val="0"/>
+              </a:ext>
+            </a:extLst>
+          </a:blip>
+          <a:srcRect/>
+          <a:stretch>
+            <a:fillRect/>
+          </a:stretch>
+        </p:blipFill>
+        <p:spPr bwMode="auto">
+          <a:xfrm>
+            <a:off x="0" y="1857364"/>
+            <a:ext cx="9144000" cy="5000636"/>
+          </a:xfrm>
+          <a:prstGeom prst="rect">
+            <a:avLst/>
+          </a:prstGeom>
+          <a:noFill/>
+          <a:ln>
+            <a:noFill/>
+          </a:ln>
+        </p:spPr>
+      </p:pic>
+    </p:spTree>
+  </p:cSld>
+  <p:clrMapOvr>
+    <a:masterClrMapping/>
+  </p:clrMapOvr>
+</p:sld>
+</file>
+
+<file path=ppt/slides/slide3.xml><?xml version="1.0" encoding="utf-8"?>
+<p:sld xmlns:a="http://schemas.openxmlformats.org/drawingml/2006/main" xmlns:r="http://schemas.openxmlformats.org/officeDocument/2006/relationships" xmlns:p="http://schemas.openxmlformats.org/presentationml/2006/main">
+  <p:cSld>
+    <p:spTree>
+      <p:nvGrpSpPr>
+        <p:cNvPr id="1" name=""/>
+        <p:cNvGrpSpPr/>
+        <p:nvPr/>
+      </p:nvGrpSpPr>
+      <p:grpSpPr>
+        <a:xfrm>
+          <a:off x="0" y="0"/>
+          <a:ext cx="0" cy="0"/>
+          <a:chOff x="0" y="0"/>
+          <a:chExt cx="0" cy="0"/>
+        </a:xfrm>
+      </p:grpSpPr>
+      <p:sp>
+        <p:nvSpPr>
+          <p:cNvPr id="2" name="Заголовок 1"/>
+          <p:cNvSpPr>
+            <a:spLocks noGrp="1"/>
+          </p:cNvSpPr>
+          <p:nvPr>
+            <p:ph type="title"/>
+          </p:nvPr>
+        </p:nvSpPr>
+        <p:spPr/>
+        <p:txBody>
+          <a:bodyPr/>
+          <a:lstStyle/>
+          <a:p>
+            <a:r>
+              <a:rPr lang="ru-RU" dirty="0" smtClean="0"/>
+              <a:t>Цель и задачи</a:t>
+            </a:r>
+            <a:endParaRPr lang="ru-RU" dirty="0"/>
+          </a:p>
+        </p:txBody>
+      </p:sp>
+      <p:sp>
+        <p:nvSpPr>
+          <p:cNvPr id="3" name="Содержимое 2"/>
+          <p:cNvSpPr>
+            <a:spLocks noGrp="1"/>
+          </p:cNvSpPr>
+          <p:nvPr>
+            <p:ph idx="1"/>
+          </p:nvPr>
+        </p:nvSpPr>
+        <p:spPr/>
+        <p:txBody>
+          <a:bodyPr/>
+          <a:lstStyle/>
+          <a:p>
+            <a:r>
+              <a:rPr lang="ru-RU" dirty="0" smtClean="0"/>
+              <a:t>Цель:</a:t>
+            </a:r>
+          </a:p>
+          <a:p>
+            <a:pPr lvl="1"/>
+            <a:r>
+              <a:rPr lang="ru-RU" dirty="0" smtClean="0"/>
+              <a:t>Создать клиент-серверную архитектуру для проведения распределённых вычислений</a:t>
+            </a:r>
+            <a:r>
+              <a:rPr lang="ru-RU" dirty="0" smtClean="0"/>
+              <a:t>.</a:t>
+            </a:r>
+            <a:endParaRPr lang="ru-RU" dirty="0" smtClean="0"/>
+          </a:p>
+          <a:p>
+            <a:r>
+              <a:rPr lang="ru-RU" dirty="0" smtClean="0"/>
+              <a:t>Задачи:</a:t>
+            </a:r>
+          </a:p>
+          <a:p>
+            <a:pPr lvl="1"/>
+            <a:r>
+              <a:rPr lang="ru-RU" dirty="0" smtClean="0"/>
+              <a:t>Изучение недостающей для решения информации</a:t>
+            </a:r>
+          </a:p>
+          <a:p>
+            <a:pPr lvl="1"/>
+            <a:r>
+              <a:rPr lang="ru-RU" dirty="0" smtClean="0"/>
+              <a:t>Написание программ сервера и клиента</a:t>
+            </a:r>
+          </a:p>
+          <a:p>
+            <a:pPr lvl="1"/>
+            <a:r>
+              <a:rPr lang="ru-RU" dirty="0" smtClean="0"/>
+              <a:t>Отладка </a:t>
+            </a:r>
+            <a:r>
+              <a:rPr lang="ru-RU" dirty="0" smtClean="0"/>
+              <a:t>программы</a:t>
+            </a:r>
+            <a:endParaRPr lang="ru-RU" dirty="0" smtClean="0"/>
+          </a:p>
+        </p:txBody>
+      </p:sp>
+    </p:spTree>
+  </p:cSld>
+  <p:clrMapOvr>
+    <a:masterClrMapping/>
+  </p:clrMapOvr>
+</p:sld>
+</file>
+
+<file path=ppt/slides/slide4.xml><?xml version="1.0" encoding="utf-8"?>
+<p:sld xmlns:a="http://schemas.openxmlformats.org/drawingml/2006/main" xmlns:r="http://schemas.openxmlformats.org/officeDocument/2006/relationships" xmlns:p="http://schemas.openxmlformats.org/presentationml/2006/main">
+  <p:cSld>
+    <p:spTree>
+      <p:nvGrpSpPr>
+        <p:cNvPr id="1" name=""/>
+        <p:cNvGrpSpPr/>
+        <p:nvPr/>
+      </p:nvGrpSpPr>
+      <p:grpSpPr>
+        <a:xfrm>
+          <a:off x="0" y="0"/>
+          <a:ext cx="0" cy="0"/>
+          <a:chOff x="0" y="0"/>
+          <a:chExt cx="0" cy="0"/>
+        </a:xfrm>
+      </p:grpSpPr>
+      <p:sp>
+        <p:nvSpPr>
+          <p:cNvPr id="2" name="Заголовок 1"/>
+          <p:cNvSpPr>
+            <a:spLocks noGrp="1"/>
+          </p:cNvSpPr>
+          <p:nvPr>
+            <p:ph type="title"/>
+          </p:nvPr>
+        </p:nvSpPr>
+        <p:spPr/>
+        <p:txBody>
+          <a:bodyPr>
+            <a:normAutofit/>
+          </a:bodyPr>
+          <a:lstStyle/>
+          <a:p>
+            <a:r>
+              <a:rPr lang="ru-RU" dirty="0" smtClean="0"/>
+              <a:t>Первая версия на </a:t>
+            </a:r>
+            <a:r>
+              <a:rPr lang="en-US" dirty="0" smtClean="0"/>
+              <a:t>PascalABC.NET</a:t>
+            </a:r>
+            <a:endParaRPr lang="ru-RU" dirty="0"/>
+          </a:p>
+        </p:txBody>
+      </p:sp>
+      <p:sp>
+        <p:nvSpPr>
+          <p:cNvPr id="3" name="Содержимое 2"/>
+          <p:cNvSpPr>
+            <a:spLocks noGrp="1"/>
+          </p:cNvSpPr>
+          <p:nvPr>
+            <p:ph idx="1"/>
+          </p:nvPr>
+        </p:nvSpPr>
+        <p:spPr/>
+        <p:txBody>
+          <a:bodyPr/>
+          <a:lstStyle/>
+          <a:p>
+            <a:endParaRPr lang="ru-RU" dirty="0"/>
+          </a:p>
+        </p:txBody>
+      </p:sp>
+      <p:pic>
+        <p:nvPicPr>
+          <p:cNvPr id="1026" name="Picture 2"/>
+          <p:cNvPicPr>
+            <a:picLocks noChangeAspect="1" noChangeArrowheads="1"/>
+          </p:cNvPicPr>
+          <p:nvPr/>
+        </p:nvPicPr>
+        <p:blipFill>
+          <a:blip r:embed="rId2"/>
+          <a:srcRect/>
+          <a:stretch>
+            <a:fillRect/>
+          </a:stretch>
+        </p:blipFill>
+        <p:spPr bwMode="auto">
+          <a:xfrm>
+            <a:off x="0" y="1500174"/>
+            <a:ext cx="9144000" cy="5357826"/>
+          </a:xfrm>
+          <a:prstGeom prst="rect">
+            <a:avLst/>
+          </a:prstGeom>
+          <a:noFill/>
+          <a:ln w="9525">
+            <a:noFill/>
+            <a:miter lim="800000"/>
+            <a:headEnd/>
+            <a:tailEnd/>
+          </a:ln>
+          <a:effectLst/>
+        </p:spPr>
+      </p:pic>
+    </p:spTree>
+  </p:cSld>
+  <p:clrMapOvr>
+    <a:masterClrMapping/>
+  </p:clrMapOvr>
+</p:sld>
+</file>
+
+<file path=ppt/slides/slide5.xml><?xml version="1.0" encoding="utf-8"?>
+<p:sld xmlns:a="http://schemas.openxmlformats.org/drawingml/2006/main" xmlns:r="http://schemas.openxmlformats.org/officeDocument/2006/relationships" xmlns:p="http://schemas.openxmlformats.org/presentationml/2006/main">
+  <p:cSld>
+    <p:spTree>
+      <p:nvGrpSpPr>
+        <p:cNvPr id="1" name=""/>
+        <p:cNvGrpSpPr/>
+        <p:nvPr/>
+      </p:nvGrpSpPr>
+      <p:grpSpPr>
+        <a:xfrm>
+          <a:off x="0" y="0"/>
+          <a:ext cx="0" cy="0"/>
+          <a:chOff x="0" y="0"/>
+          <a:chExt cx="0" cy="0"/>
+        </a:xfrm>
+      </p:grpSpPr>
+      <p:sp>
+        <p:nvSpPr>
+          <p:cNvPr id="2" name="Заголовок 1"/>
+          <p:cNvSpPr>
+            <a:spLocks noGrp="1"/>
+          </p:cNvSpPr>
+          <p:nvPr>
+            <p:ph type="title"/>
+          </p:nvPr>
+        </p:nvSpPr>
+        <p:spPr/>
+        <p:txBody>
+          <a:bodyPr>
+            <a:normAutofit/>
+          </a:bodyPr>
+          <a:lstStyle/>
+          <a:p>
+            <a:r>
+              <a:rPr lang="ru-RU" dirty="0" smtClean="0"/>
+              <a:t>Разрабатываемая </a:t>
+            </a:r>
+            <a:r>
+              <a:rPr lang="ru-RU" dirty="0" smtClean="0"/>
+              <a:t>версия</a:t>
+            </a:r>
+            <a:endParaRPr lang="ru-RU" dirty="0"/>
+          </a:p>
+        </p:txBody>
+      </p:sp>
+      <p:sp>
+        <p:nvSpPr>
+          <p:cNvPr id="3" name="Содержимое 2"/>
+          <p:cNvSpPr>
+            <a:spLocks noGrp="1"/>
+          </p:cNvSpPr>
+          <p:nvPr>
+            <p:ph idx="1"/>
+          </p:nvPr>
+        </p:nvSpPr>
+        <p:spPr/>
+        <p:txBody>
+          <a:bodyPr/>
+          <a:lstStyle/>
+          <a:p>
+            <a:endParaRPr lang="ru-RU"/>
+          </a:p>
+        </p:txBody>
+      </p:sp>
+      <p:pic>
+        <p:nvPicPr>
+          <p:cNvPr id="4" name="Рисунок 3"/>
+          <p:cNvPicPr/>
+          <p:nvPr/>
+        </p:nvPicPr>
+        <p:blipFill>
+          <a:blip r:embed="rId2"/>
+          <a:srcRect/>
+          <a:stretch>
+            <a:fillRect/>
+          </a:stretch>
+        </p:blipFill>
+        <p:spPr bwMode="auto">
+          <a:xfrm>
+            <a:off x="0" y="1428736"/>
+            <a:ext cx="9144000" cy="5429264"/>
+          </a:xfrm>
+          <a:prstGeom prst="rect">
+            <a:avLst/>
+          </a:prstGeom>
+          <a:noFill/>
+          <a:ln w="9525">
+            <a:noFill/>
+            <a:miter lim="800000"/>
+            <a:headEnd/>
+            <a:tailEnd/>
+          </a:ln>
+        </p:spPr>
+      </p:pic>
+    </p:spTree>
+  </p:cSld>
+  <p:clrMapOvr>
+    <a:masterClrMapping/>
+  </p:clrMapOvr>
+</p:sld>
+</file>
+
+<file path=ppt/slides/slide6.xml><?xml version="1.0" encoding="utf-8"?>
+<p:sld xmlns:a="http://schemas.openxmlformats.org/drawingml/2006/main" xmlns:r="http://schemas.openxmlformats.org/officeDocument/2006/relationships" xmlns:p="http://schemas.openxmlformats.org/presentationml/2006/main">
+  <p:cSld>
+    <p:spTree>
+      <p:nvGrpSpPr>
+        <p:cNvPr id="1" name=""/>
+        <p:cNvGrpSpPr/>
+        <p:nvPr/>
+      </p:nvGrpSpPr>
+      <p:grpSpPr>
+        <a:xfrm>
+          <a:off x="0" y="0"/>
+          <a:ext cx="0" cy="0"/>
+          <a:chOff x="0" y="0"/>
+          <a:chExt cx="0" cy="0"/>
+        </a:xfrm>
+      </p:grpSpPr>
+      <p:sp>
+        <p:nvSpPr>
+          <p:cNvPr id="2" name="Заголовок 1"/>
+          <p:cNvSpPr>
+            <a:spLocks noGrp="1"/>
+          </p:cNvSpPr>
+          <p:nvPr>
+            <p:ph type="title"/>
+          </p:nvPr>
+        </p:nvSpPr>
+        <p:spPr/>
+        <p:txBody>
+          <a:bodyPr>
+            <a:normAutofit/>
+          </a:bodyPr>
+          <a:lstStyle/>
+          <a:p>
+            <a:r>
+              <a:rPr lang="ru-RU" dirty="0" smtClean="0"/>
+              <a:t>Заключение</a:t>
+            </a:r>
+            <a:endParaRPr lang="ru-RU" dirty="0"/>
+          </a:p>
+        </p:txBody>
+      </p:sp>
+      <p:sp>
+        <p:nvSpPr>
+          <p:cNvPr id="3" name="Содержимое 2"/>
+          <p:cNvSpPr>
+            <a:spLocks noGrp="1"/>
+          </p:cNvSpPr>
+          <p:nvPr>
+            <p:ph idx="1"/>
+          </p:nvPr>
+        </p:nvSpPr>
+        <p:spPr/>
+        <p:txBody>
+          <a:bodyPr/>
+          <a:lstStyle/>
+          <a:p>
+            <a:endParaRPr lang="ru-RU"/>
+          </a:p>
+        </p:txBody>
+      </p:sp>
+    </p:spTree>
+  </p:cSld>
+  <p:clrMapOvr>
+    <a:masterClrMapping/>
+  </p:clrMapOvr>
+</p:sld>
+</file>
+
+<file path=ppt/slides/slide7.xml><?xml version="1.0" encoding="utf-8"?>
+<p:sld xmlns:a="http://schemas.openxmlformats.org/drawingml/2006/main" xmlns:r="http://schemas.openxmlformats.org/officeDocument/2006/relationships" xmlns:p="http://schemas.openxmlformats.org/presentationml/2006/main">
+  <p:cSld>
+    <p:spTree>
+      <p:nvGrpSpPr>
+        <p:cNvPr id="1" name=""/>
+        <p:cNvGrpSpPr/>
+        <p:nvPr/>
+      </p:nvGrpSpPr>
+      <p:grpSpPr>
+        <a:xfrm>
+          <a:off x="0" y="0"/>
+          <a:ext cx="0" cy="0"/>
+          <a:chOff x="0" y="0"/>
+          <a:chExt cx="0" cy="0"/>
+        </a:xfrm>
+      </p:grpSpPr>
+      <p:sp>
+        <p:nvSpPr>
+          <p:cNvPr id="2" name="Заголовок 1"/>
+          <p:cNvSpPr>
+            <a:spLocks noGrp="1"/>
+          </p:cNvSpPr>
+          <p:nvPr>
+            <p:ph type="title"/>
+          </p:nvPr>
+        </p:nvSpPr>
+        <p:spPr/>
+        <p:txBody>
+          <a:bodyPr>
+            <a:normAutofit fontScale="90000"/>
+          </a:bodyPr>
+          <a:lstStyle/>
+          <a:p>
+            <a:r>
+              <a:rPr lang="ru-RU" dirty="0" smtClean="0"/>
+              <a:t>Список использованной литературы</a:t>
+            </a:r>
+            <a:endParaRPr lang="ru-RU" dirty="0"/>
+          </a:p>
+        </p:txBody>
+      </p:sp>
+      <p:sp>
+        <p:nvSpPr>
+          <p:cNvPr id="3" name="Содержимое 2"/>
+          <p:cNvSpPr>
+            <a:spLocks noGrp="1"/>
+          </p:cNvSpPr>
+          <p:nvPr>
+            <p:ph idx="1"/>
+          </p:nvPr>
+        </p:nvSpPr>
+        <p:spPr/>
+        <p:txBody>
+          <a:bodyPr/>
+          <a:lstStyle/>
+          <a:p>
+            <a:r>
+              <a:rPr lang="ru-RU" u="sng" dirty="0" smtClean="0">
+                <a:hlinkClick r:id="rId2"/>
+              </a:rPr>
+              <a:t>Сайт, по которому я изучал </a:t>
+            </a:r>
+            <a:r>
+              <a:rPr lang="en-US" u="sng" dirty="0" smtClean="0">
+                <a:hlinkClick r:id="rId2"/>
+              </a:rPr>
+              <a:t>C</a:t>
+            </a:r>
+            <a:r>
+              <a:rPr lang="ru-RU" u="sng" dirty="0" smtClean="0">
+                <a:hlinkClick r:id="rId2"/>
+              </a:rPr>
+              <a:t>#</a:t>
+            </a:r>
+            <a:endParaRPr lang="ru-RU" dirty="0" smtClean="0"/>
+          </a:p>
+          <a:p>
+            <a:r>
+              <a:rPr lang="ru-RU" u="sng" dirty="0" smtClean="0">
+                <a:hlinkClick r:id="rId3"/>
+              </a:rPr>
+              <a:t>Документация по </a:t>
+            </a:r>
+            <a:r>
+              <a:rPr lang="en-US" u="sng" dirty="0" smtClean="0">
+                <a:hlinkClick r:id="rId3"/>
+              </a:rPr>
+              <a:t>C</a:t>
+            </a:r>
+            <a:r>
+              <a:rPr lang="ru-RU" u="sng" dirty="0" smtClean="0">
+                <a:hlinkClick r:id="rId3"/>
+              </a:rPr>
+              <a:t># и .</a:t>
+            </a:r>
+            <a:r>
+              <a:rPr lang="en-US" u="sng" dirty="0" smtClean="0">
+                <a:hlinkClick r:id="rId3"/>
+              </a:rPr>
+              <a:t>NET</a:t>
+            </a:r>
+            <a:endParaRPr lang="ru-RU" dirty="0" smtClean="0"/>
+          </a:p>
+          <a:p>
+            <a:r>
+              <a:rPr lang="ru-RU" dirty="0" smtClean="0"/>
+              <a:t>Форумы – </a:t>
+            </a:r>
+            <a:r>
+              <a:rPr lang="en-US" u="sng" dirty="0" err="1" smtClean="0">
+                <a:hlinkClick r:id="rId4"/>
+              </a:rPr>
+              <a:t>StackOverflow</a:t>
+            </a:r>
+            <a:r>
+              <a:rPr lang="ru-RU" dirty="0" smtClean="0"/>
+              <a:t> и </a:t>
+            </a:r>
+            <a:r>
+              <a:rPr lang="en-US" u="sng" dirty="0" err="1" smtClean="0">
+                <a:hlinkClick r:id="rId5"/>
+              </a:rPr>
+              <a:t>Cyberforum</a:t>
+            </a:r>
+            <a:endParaRPr lang="ru-RU" dirty="0" smtClean="0"/>
+          </a:p>
+          <a:p>
+            <a:r>
+              <a:rPr lang="ru-RU" dirty="0" smtClean="0"/>
+              <a:t>Язык программирования C# 7 и платформы .NET и .NET </a:t>
+            </a:r>
+            <a:r>
+              <a:rPr lang="ru-RU" dirty="0" err="1" smtClean="0"/>
+              <a:t>Core</a:t>
+            </a:r>
+            <a:r>
+              <a:rPr lang="ru-RU" dirty="0" smtClean="0"/>
+              <a:t> - </a:t>
+            </a:r>
+            <a:r>
+              <a:rPr lang="ru-RU" dirty="0" err="1" smtClean="0"/>
+              <a:t>Джепикс</a:t>
+            </a:r>
+            <a:r>
+              <a:rPr lang="ru-RU" dirty="0" smtClean="0"/>
+              <a:t> Филипп, </a:t>
+            </a:r>
+            <a:r>
+              <a:rPr lang="ru-RU" dirty="0" err="1" smtClean="0"/>
+              <a:t>Троелсен</a:t>
+            </a:r>
+            <a:r>
+              <a:rPr lang="ru-RU" dirty="0" smtClean="0"/>
+              <a:t> Эндрю</a:t>
+            </a:r>
+            <a:endParaRPr lang="ru-RU" dirty="0"/>
+          </a:p>
+        </p:txBody>
+      </p:sp>
+    </p:spTree>
+  </p:cSld>
+  <p:clrMapOvr>
+    <a:masterClrMapping/>
+  </p:clrMapOvr>
+</p:sld>
 </file>
 
 <file path=ppt/theme/theme1.xml><?xml version="1.0" encoding="utf-8"?>

--- a/Презентация.pptx
+++ b/Презентация.pptx
@@ -9,9 +9,14 @@
     <p:sldId id="257" r:id="rId3"/>
     <p:sldId id="258" r:id="rId4"/>
     <p:sldId id="259" r:id="rId5"/>
-    <p:sldId id="260" r:id="rId6"/>
-    <p:sldId id="261" r:id="rId7"/>
-    <p:sldId id="262" r:id="rId8"/>
+    <p:sldId id="263" r:id="rId6"/>
+    <p:sldId id="264" r:id="rId7"/>
+    <p:sldId id="265" r:id="rId8"/>
+    <p:sldId id="266" r:id="rId9"/>
+    <p:sldId id="267" r:id="rId10"/>
+    <p:sldId id="260" r:id="rId11"/>
+    <p:sldId id="261" r:id="rId12"/>
+    <p:sldId id="262" r:id="rId13"/>
   </p:sldIdLst>
   <p:sldSz cx="9144000" cy="6858000" type="screen4x3"/>
   <p:notesSz cx="6858000" cy="9144000"/>
@@ -295,7 +300,7 @@
             <a:fld id="{5B106E36-FD25-4E2D-B0AA-010F637433A0}" type="datetimeFigureOut">
               <a:rPr lang="ru-RU" smtClean="0"/>
               <a:pPr/>
-              <a:t>16.05.2021</a:t>
+              <a:t>17.05.2021</a:t>
             </a:fld>
             <a:endParaRPr lang="ru-RU"/>
           </a:p>
@@ -462,7 +467,7 @@
             <a:fld id="{5B106E36-FD25-4E2D-B0AA-010F637433A0}" type="datetimeFigureOut">
               <a:rPr lang="ru-RU" smtClean="0"/>
               <a:pPr/>
-              <a:t>16.05.2021</a:t>
+              <a:t>17.05.2021</a:t>
             </a:fld>
             <a:endParaRPr lang="ru-RU"/>
           </a:p>
@@ -639,7 +644,7 @@
             <a:fld id="{5B106E36-FD25-4E2D-B0AA-010F637433A0}" type="datetimeFigureOut">
               <a:rPr lang="ru-RU" smtClean="0"/>
               <a:pPr/>
-              <a:t>16.05.2021</a:t>
+              <a:t>17.05.2021</a:t>
             </a:fld>
             <a:endParaRPr lang="ru-RU"/>
           </a:p>
@@ -806,7 +811,7 @@
             <a:fld id="{5B106E36-FD25-4E2D-B0AA-010F637433A0}" type="datetimeFigureOut">
               <a:rPr lang="ru-RU" smtClean="0"/>
               <a:pPr/>
-              <a:t>16.05.2021</a:t>
+              <a:t>17.05.2021</a:t>
             </a:fld>
             <a:endParaRPr lang="ru-RU"/>
           </a:p>
@@ -1049,7 +1054,7 @@
             <a:fld id="{5B106E36-FD25-4E2D-B0AA-010F637433A0}" type="datetimeFigureOut">
               <a:rPr lang="ru-RU" smtClean="0"/>
               <a:pPr/>
-              <a:t>16.05.2021</a:t>
+              <a:t>17.05.2021</a:t>
             </a:fld>
             <a:endParaRPr lang="ru-RU"/>
           </a:p>
@@ -1334,7 +1339,7 @@
             <a:fld id="{5B106E36-FD25-4E2D-B0AA-010F637433A0}" type="datetimeFigureOut">
               <a:rPr lang="ru-RU" smtClean="0"/>
               <a:pPr/>
-              <a:t>16.05.2021</a:t>
+              <a:t>17.05.2021</a:t>
             </a:fld>
             <a:endParaRPr lang="ru-RU"/>
           </a:p>
@@ -1753,7 +1758,7 @@
             <a:fld id="{5B106E36-FD25-4E2D-B0AA-010F637433A0}" type="datetimeFigureOut">
               <a:rPr lang="ru-RU" smtClean="0"/>
               <a:pPr/>
-              <a:t>16.05.2021</a:t>
+              <a:t>17.05.2021</a:t>
             </a:fld>
             <a:endParaRPr lang="ru-RU"/>
           </a:p>
@@ -1868,7 +1873,7 @@
             <a:fld id="{5B106E36-FD25-4E2D-B0AA-010F637433A0}" type="datetimeFigureOut">
               <a:rPr lang="ru-RU" smtClean="0"/>
               <a:pPr/>
-              <a:t>16.05.2021</a:t>
+              <a:t>17.05.2021</a:t>
             </a:fld>
             <a:endParaRPr lang="ru-RU"/>
           </a:p>
@@ -1960,7 +1965,7 @@
             <a:fld id="{5B106E36-FD25-4E2D-B0AA-010F637433A0}" type="datetimeFigureOut">
               <a:rPr lang="ru-RU" smtClean="0"/>
               <a:pPr/>
-              <a:t>16.05.2021</a:t>
+              <a:t>17.05.2021</a:t>
             </a:fld>
             <a:endParaRPr lang="ru-RU"/>
           </a:p>
@@ -2234,7 +2239,7 @@
             <a:fld id="{5B106E36-FD25-4E2D-B0AA-010F637433A0}" type="datetimeFigureOut">
               <a:rPr lang="ru-RU" smtClean="0"/>
               <a:pPr/>
-              <a:t>16.05.2021</a:t>
+              <a:t>17.05.2021</a:t>
             </a:fld>
             <a:endParaRPr lang="ru-RU"/>
           </a:p>
@@ -2484,7 +2489,7 @@
             <a:fld id="{5B106E36-FD25-4E2D-B0AA-010F637433A0}" type="datetimeFigureOut">
               <a:rPr lang="ru-RU" smtClean="0"/>
               <a:pPr/>
-              <a:t>16.05.2021</a:t>
+              <a:t>17.05.2021</a:t>
             </a:fld>
             <a:endParaRPr lang="ru-RU"/>
           </a:p>
@@ -2694,7 +2699,7 @@
             <a:fld id="{5B106E36-FD25-4E2D-B0AA-010F637433A0}" type="datetimeFigureOut">
               <a:rPr lang="ru-RU" smtClean="0"/>
               <a:pPr/>
-              <a:t>16.05.2021</a:t>
+              <a:t>17.05.2021</a:t>
             </a:fld>
             <a:endParaRPr lang="ru-RU"/>
           </a:p>
@@ -3138,6 +3143,368 @@
 </p:sld>
 </file>
 
+<file path=ppt/slides/slide10.xml><?xml version="1.0" encoding="utf-8"?>
+<p:sld xmlns:a="http://schemas.openxmlformats.org/drawingml/2006/main" xmlns:r="http://schemas.openxmlformats.org/officeDocument/2006/relationships" xmlns:p="http://schemas.openxmlformats.org/presentationml/2006/main">
+  <p:cSld>
+    <p:spTree>
+      <p:nvGrpSpPr>
+        <p:cNvPr id="1" name=""/>
+        <p:cNvGrpSpPr/>
+        <p:nvPr/>
+      </p:nvGrpSpPr>
+      <p:grpSpPr>
+        <a:xfrm>
+          <a:off x="0" y="0"/>
+          <a:ext cx="0" cy="0"/>
+          <a:chOff x="0" y="0"/>
+          <a:chExt cx="0" cy="0"/>
+        </a:xfrm>
+      </p:grpSpPr>
+      <p:sp>
+        <p:nvSpPr>
+          <p:cNvPr id="2" name="Заголовок 1"/>
+          <p:cNvSpPr>
+            <a:spLocks noGrp="1"/>
+          </p:cNvSpPr>
+          <p:nvPr>
+            <p:ph type="title"/>
+          </p:nvPr>
+        </p:nvSpPr>
+        <p:spPr/>
+        <p:txBody>
+          <a:bodyPr>
+            <a:normAutofit/>
+          </a:bodyPr>
+          <a:lstStyle/>
+          <a:p>
+            <a:r>
+              <a:rPr lang="ru-RU" dirty="0" smtClean="0"/>
+              <a:t>Разрабатываемая версия</a:t>
+            </a:r>
+            <a:endParaRPr lang="ru-RU" dirty="0"/>
+          </a:p>
+        </p:txBody>
+      </p:sp>
+      <p:sp>
+        <p:nvSpPr>
+          <p:cNvPr id="3" name="Содержимое 2"/>
+          <p:cNvSpPr>
+            <a:spLocks noGrp="1"/>
+          </p:cNvSpPr>
+          <p:nvPr>
+            <p:ph idx="1"/>
+          </p:nvPr>
+        </p:nvSpPr>
+        <p:spPr/>
+        <p:txBody>
+          <a:bodyPr/>
+          <a:lstStyle/>
+          <a:p>
+            <a:endParaRPr lang="ru-RU"/>
+          </a:p>
+        </p:txBody>
+      </p:sp>
+      <p:pic>
+        <p:nvPicPr>
+          <p:cNvPr id="4" name="Рисунок 3"/>
+          <p:cNvPicPr/>
+          <p:nvPr/>
+        </p:nvPicPr>
+        <p:blipFill>
+          <a:blip r:embed="rId2"/>
+          <a:srcRect/>
+          <a:stretch>
+            <a:fillRect/>
+          </a:stretch>
+        </p:blipFill>
+        <p:spPr bwMode="auto">
+          <a:xfrm>
+            <a:off x="0" y="1428736"/>
+            <a:ext cx="9144000" cy="5429264"/>
+          </a:xfrm>
+          <a:prstGeom prst="rect">
+            <a:avLst/>
+          </a:prstGeom>
+          <a:noFill/>
+          <a:ln w="9525">
+            <a:noFill/>
+            <a:miter lim="800000"/>
+            <a:headEnd/>
+            <a:tailEnd/>
+          </a:ln>
+        </p:spPr>
+      </p:pic>
+    </p:spTree>
+  </p:cSld>
+  <p:clrMapOvr>
+    <a:masterClrMapping/>
+  </p:clrMapOvr>
+</p:sld>
+</file>
+
+<file path=ppt/slides/slide11.xml><?xml version="1.0" encoding="utf-8"?>
+<p:sld xmlns:a="http://schemas.openxmlformats.org/drawingml/2006/main" xmlns:r="http://schemas.openxmlformats.org/officeDocument/2006/relationships" xmlns:p="http://schemas.openxmlformats.org/presentationml/2006/main">
+  <p:cSld>
+    <p:spTree>
+      <p:nvGrpSpPr>
+        <p:cNvPr id="1" name=""/>
+        <p:cNvGrpSpPr/>
+        <p:nvPr/>
+      </p:nvGrpSpPr>
+      <p:grpSpPr>
+        <a:xfrm>
+          <a:off x="0" y="0"/>
+          <a:ext cx="0" cy="0"/>
+          <a:chOff x="0" y="0"/>
+          <a:chExt cx="0" cy="0"/>
+        </a:xfrm>
+      </p:grpSpPr>
+      <p:sp>
+        <p:nvSpPr>
+          <p:cNvPr id="2" name="Заголовок 1"/>
+          <p:cNvSpPr>
+            <a:spLocks noGrp="1"/>
+          </p:cNvSpPr>
+          <p:nvPr>
+            <p:ph type="title"/>
+          </p:nvPr>
+        </p:nvSpPr>
+        <p:spPr/>
+        <p:txBody>
+          <a:bodyPr>
+            <a:normAutofit/>
+          </a:bodyPr>
+          <a:lstStyle/>
+          <a:p>
+            <a:r>
+              <a:rPr lang="ru-RU" dirty="0" smtClean="0"/>
+              <a:t>Заключение</a:t>
+            </a:r>
+            <a:endParaRPr lang="ru-RU" dirty="0"/>
+          </a:p>
+        </p:txBody>
+      </p:sp>
+      <p:sp>
+        <p:nvSpPr>
+          <p:cNvPr id="3" name="Содержимое 2"/>
+          <p:cNvSpPr>
+            <a:spLocks noGrp="1"/>
+          </p:cNvSpPr>
+          <p:nvPr>
+            <p:ph idx="1"/>
+          </p:nvPr>
+        </p:nvSpPr>
+        <p:spPr/>
+        <p:txBody>
+          <a:bodyPr/>
+          <a:lstStyle/>
+          <a:p>
+            <a:endParaRPr lang="ru-RU"/>
+          </a:p>
+        </p:txBody>
+      </p:sp>
+      <p:pic>
+        <p:nvPicPr>
+          <p:cNvPr id="7170" name="Picture 2" descr="https://avatars.mds.yandex.net/get-zen_doc/759807/pub_5ebc32953cff7449712f738c_5ebc3963c5cf9221102cb4ea/scale_1200"/>
+          <p:cNvPicPr>
+            <a:picLocks noChangeAspect="1" noChangeArrowheads="1"/>
+          </p:cNvPicPr>
+          <p:nvPr/>
+        </p:nvPicPr>
+        <p:blipFill>
+          <a:blip r:embed="rId2"/>
+          <a:srcRect/>
+          <a:stretch>
+            <a:fillRect/>
+          </a:stretch>
+        </p:blipFill>
+        <p:spPr bwMode="auto">
+          <a:xfrm>
+            <a:off x="1857356" y="1500174"/>
+            <a:ext cx="5357826" cy="5357826"/>
+          </a:xfrm>
+          <a:prstGeom prst="rect">
+            <a:avLst/>
+          </a:prstGeom>
+          <a:noFill/>
+        </p:spPr>
+      </p:pic>
+    </p:spTree>
+  </p:cSld>
+  <p:clrMapOvr>
+    <a:masterClrMapping/>
+  </p:clrMapOvr>
+</p:sld>
+</file>
+
+<file path=ppt/slides/slide12.xml><?xml version="1.0" encoding="utf-8"?>
+<p:sld xmlns:a="http://schemas.openxmlformats.org/drawingml/2006/main" xmlns:r="http://schemas.openxmlformats.org/officeDocument/2006/relationships" xmlns:p="http://schemas.openxmlformats.org/presentationml/2006/main">
+  <p:cSld>
+    <p:spTree>
+      <p:nvGrpSpPr>
+        <p:cNvPr id="1" name=""/>
+        <p:cNvGrpSpPr/>
+        <p:nvPr/>
+      </p:nvGrpSpPr>
+      <p:grpSpPr>
+        <a:xfrm>
+          <a:off x="0" y="0"/>
+          <a:ext cx="0" cy="0"/>
+          <a:chOff x="0" y="0"/>
+          <a:chExt cx="0" cy="0"/>
+        </a:xfrm>
+      </p:grpSpPr>
+      <p:sp>
+        <p:nvSpPr>
+          <p:cNvPr id="2" name="Заголовок 1"/>
+          <p:cNvSpPr>
+            <a:spLocks noGrp="1"/>
+          </p:cNvSpPr>
+          <p:nvPr>
+            <p:ph type="title"/>
+          </p:nvPr>
+        </p:nvSpPr>
+        <p:spPr/>
+        <p:txBody>
+          <a:bodyPr>
+            <a:normAutofit fontScale="90000"/>
+          </a:bodyPr>
+          <a:lstStyle/>
+          <a:p>
+            <a:r>
+              <a:rPr lang="ru-RU" dirty="0" smtClean="0"/>
+              <a:t>Список использованной литературы</a:t>
+            </a:r>
+            <a:endParaRPr lang="ru-RU" dirty="0"/>
+          </a:p>
+        </p:txBody>
+      </p:sp>
+      <p:sp>
+        <p:nvSpPr>
+          <p:cNvPr id="3" name="Содержимое 2"/>
+          <p:cNvSpPr>
+            <a:spLocks noGrp="1"/>
+          </p:cNvSpPr>
+          <p:nvPr>
+            <p:ph idx="1"/>
+          </p:nvPr>
+        </p:nvSpPr>
+        <p:spPr/>
+        <p:txBody>
+          <a:bodyPr/>
+          <a:lstStyle/>
+          <a:p>
+            <a:r>
+              <a:rPr lang="ru-RU" u="sng" dirty="0" smtClean="0">
+                <a:hlinkClick r:id="rId2"/>
+              </a:rPr>
+              <a:t>Сайт, по которому я изучал </a:t>
+            </a:r>
+            <a:r>
+              <a:rPr lang="en-US" u="sng" dirty="0" smtClean="0">
+                <a:hlinkClick r:id="rId2"/>
+              </a:rPr>
+              <a:t>C</a:t>
+            </a:r>
+            <a:r>
+              <a:rPr lang="ru-RU" u="sng" dirty="0" smtClean="0">
+                <a:hlinkClick r:id="rId2"/>
+              </a:rPr>
+              <a:t>#</a:t>
+            </a:r>
+            <a:endParaRPr lang="ru-RU" dirty="0" smtClean="0"/>
+          </a:p>
+          <a:p>
+            <a:r>
+              <a:rPr lang="ru-RU" u="sng" dirty="0" smtClean="0">
+                <a:hlinkClick r:id="rId3"/>
+              </a:rPr>
+              <a:t>Документация по </a:t>
+            </a:r>
+            <a:r>
+              <a:rPr lang="en-US" u="sng" dirty="0" smtClean="0">
+                <a:hlinkClick r:id="rId3"/>
+              </a:rPr>
+              <a:t>C</a:t>
+            </a:r>
+            <a:r>
+              <a:rPr lang="ru-RU" u="sng" dirty="0" smtClean="0">
+                <a:hlinkClick r:id="rId3"/>
+              </a:rPr>
+              <a:t># и .</a:t>
+            </a:r>
+            <a:r>
+              <a:rPr lang="en-US" u="sng" dirty="0" smtClean="0">
+                <a:hlinkClick r:id="rId3"/>
+              </a:rPr>
+              <a:t>NET</a:t>
+            </a:r>
+            <a:endParaRPr lang="ru-RU" dirty="0" smtClean="0"/>
+          </a:p>
+          <a:p>
+            <a:r>
+              <a:rPr lang="ru-RU" dirty="0" smtClean="0"/>
+              <a:t>Форумы – </a:t>
+            </a:r>
+            <a:r>
+              <a:rPr lang="en-US" u="sng" dirty="0" err="1" smtClean="0">
+                <a:hlinkClick r:id="rId4"/>
+              </a:rPr>
+              <a:t>StackOverflow</a:t>
+            </a:r>
+            <a:r>
+              <a:rPr lang="ru-RU" dirty="0" smtClean="0"/>
+              <a:t> и </a:t>
+            </a:r>
+            <a:r>
+              <a:rPr lang="en-US" u="sng" dirty="0" err="1" smtClean="0">
+                <a:hlinkClick r:id="rId5"/>
+              </a:rPr>
+              <a:t>Cyberforum</a:t>
+            </a:r>
+            <a:endParaRPr lang="ru-RU" dirty="0" smtClean="0"/>
+          </a:p>
+          <a:p>
+            <a:r>
+              <a:rPr lang="ru-RU" dirty="0" smtClean="0"/>
+              <a:t>Язык программирования C# 7 и платформы .NET и .NET </a:t>
+            </a:r>
+            <a:r>
+              <a:rPr lang="ru-RU" dirty="0" err="1" smtClean="0"/>
+              <a:t>Core</a:t>
+            </a:r>
+            <a:r>
+              <a:rPr lang="ru-RU" dirty="0" smtClean="0"/>
+              <a:t> - </a:t>
+            </a:r>
+            <a:r>
+              <a:rPr lang="ru-RU" dirty="0" err="1" smtClean="0"/>
+              <a:t>Джепикс</a:t>
+            </a:r>
+            <a:r>
+              <a:rPr lang="ru-RU" dirty="0" smtClean="0"/>
+              <a:t> Филипп, </a:t>
+            </a:r>
+            <a:r>
+              <a:rPr lang="ru-RU" dirty="0" err="1" smtClean="0"/>
+              <a:t>Троелсен</a:t>
+            </a:r>
+            <a:r>
+              <a:rPr lang="ru-RU" dirty="0" smtClean="0"/>
+              <a:t> Эндрю</a:t>
+            </a:r>
+            <a:endParaRPr lang="ru-RU" dirty="0"/>
+          </a:p>
+        </p:txBody>
+      </p:sp>
+    </p:spTree>
+  </p:cSld>
+  <p:clrMapOvr>
+    <a:masterClrMapping/>
+  </p:clrMapOvr>
+</p:sld>
+</file>
+
 <file path=ppt/slides/slide2.xml><?xml version="1.0" encoding="utf-8"?>
 <p:sld xmlns:a="http://schemas.openxmlformats.org/drawingml/2006/main" xmlns:r="http://schemas.openxmlformats.org/officeDocument/2006/relationships" xmlns:p="http://schemas.openxmlformats.org/presentationml/2006/main">
   <p:cSld>
@@ -3207,7 +3574,7 @@
           <a:blip r:embed="rId2">
             <a:extLst>
               <a:ext uri="{28A0092B-C50C-407E-A947-70E740481C1C}">
-                <a14:useLocalDpi xmlns="" xmlns:wpc="http://schemas.microsoft.com/office/word/2010/wordprocessingCanvas" xmlns:mc="http://schemas.openxmlformats.org/markup-compatibility/2006" xmlns:o="urn:schemas-microsoft-com:office:office" xmlns:m="http://schemas.openxmlformats.org/officeDocument/2006/math" xmlns:v="urn:schemas-microsoft-com:vml" xmlns:wp14="http://schemas.microsoft.com/office/word/2010/wordprocessingDrawing" xmlns:wp="http://schemas.openxmlformats.org/drawingml/2006/wordprocessingDrawing" xmlns:w10="urn:schemas-microsoft-com:office:word" xmlns:w="http://schemas.openxmlformats.org/wordprocessingml/2006/main" xmlns:w14="http://schemas.microsoft.com/office/word/2010/wordml" xmlns:w15="http://schemas.microsoft.com/office/word/2012/wordml" xmlns:wpg="http://schemas.microsoft.com/office/word/2010/wordprocessingGroup" xmlns:wpi="http://schemas.microsoft.com/office/word/2010/wordprocessingInk" xmlns:wne="http://schemas.microsoft.com/office/word/2006/wordml" xmlns:wps="http://schemas.microsoft.com/office/word/2010/wordprocessingShape" xmlns:a14="http://schemas.microsoft.com/office/drawing/2010/main" xmlns:pic="http://schemas.openxmlformats.org/drawingml/2006/picture" xmlns:lc="http://schemas.openxmlformats.org/drawingml/2006/lockedCanvas" val="0"/>
+                <a14:useLocalDpi xmlns:lc="http://schemas.openxmlformats.org/drawingml/2006/lockedCanvas" xmlns:pic="http://schemas.openxmlformats.org/drawingml/2006/picture" xmlns:a14="http://schemas.microsoft.com/office/drawing/2010/main" xmlns:wps="http://schemas.microsoft.com/office/word/2010/wordprocessingShape" xmlns:wne="http://schemas.microsoft.com/office/word/2006/wordml" xmlns:wpi="http://schemas.microsoft.com/office/word/2010/wordprocessingInk" xmlns:wpg="http://schemas.microsoft.com/office/word/2010/wordprocessingGroup" xmlns:w15="http://schemas.microsoft.com/office/word/2012/wordml" xmlns:w14="http://schemas.microsoft.com/office/word/2010/wordml" xmlns:w="http://schemas.openxmlformats.org/wordprocessingml/2006/main" xmlns:w10="urn:schemas-microsoft-com:office:word" xmlns:wp="http://schemas.openxmlformats.org/drawingml/2006/wordprocessingDrawing" xmlns:wp14="http://schemas.microsoft.com/office/word/2010/wordprocessingDrawing" xmlns:v="urn:schemas-microsoft-com:vml" xmlns:m="http://schemas.openxmlformats.org/officeDocument/2006/math" xmlns:o="urn:schemas-microsoft-com:office:office" xmlns:mc="http://schemas.openxmlformats.org/markup-compatibility/2006" xmlns:wpc="http://schemas.microsoft.com/office/word/2010/wordprocessingCanvas" xmlns="" val="0"/>
               </a:ext>
             </a:extLst>
           </a:blip>
@@ -3302,13 +3669,8 @@
             <a:pPr lvl="1"/>
             <a:r>
               <a:rPr lang="ru-RU" dirty="0" smtClean="0"/>
-              <a:t>Создать клиент-серверную архитектуру для проведения распределённых вычислений</a:t>
-            </a:r>
-            <a:r>
-              <a:rPr lang="ru-RU" dirty="0" smtClean="0"/>
-              <a:t>.</a:t>
-            </a:r>
-            <a:endParaRPr lang="ru-RU" dirty="0" smtClean="0"/>
+              <a:t>Создать клиент-серверную архитектуру для проведения распределённых вычислений.</a:t>
+            </a:r>
           </a:p>
           <a:p>
             <a:r>
@@ -3334,13 +3696,8 @@
             <a:pPr lvl="1"/>
             <a:r>
               <a:rPr lang="ru-RU" dirty="0" smtClean="0"/>
-              <a:t>Отладка </a:t>
-            </a:r>
-            <a:r>
-              <a:rPr lang="ru-RU" dirty="0" smtClean="0"/>
-              <a:t>программы</a:t>
-            </a:r>
-            <a:endParaRPr lang="ru-RU" dirty="0" smtClean="0"/>
+              <a:t>Отладка программы</a:t>
+            </a:r>
           </a:p>
         </p:txBody>
       </p:sp>
@@ -3487,18 +3844,16 @@
         </p:nvSpPr>
         <p:spPr/>
         <p:txBody>
-          <a:bodyPr>
-            <a:normAutofit/>
-          </a:bodyPr>
+          <a:bodyPr/>
           <a:lstStyle/>
           <a:p>
             <a:r>
               <a:rPr lang="ru-RU" dirty="0" smtClean="0"/>
-              <a:t>Разрабатываемая </a:t>
+              <a:t>Структура </a:t>
             </a:r>
             <a:r>
               <a:rPr lang="ru-RU" dirty="0" smtClean="0"/>
-              <a:t>версия</a:t>
+              <a:t>программы</a:t>
             </a:r>
             <a:endParaRPr lang="ru-RU" dirty="0"/>
           </a:p>
@@ -3506,58 +3861,627 @@
       </p:sp>
       <p:sp>
         <p:nvSpPr>
-          <p:cNvPr id="3" name="Содержимое 2"/>
-          <p:cNvSpPr>
-            <a:spLocks noGrp="1"/>
-          </p:cNvSpPr>
-          <p:nvPr>
-            <p:ph idx="1"/>
-          </p:nvPr>
-        </p:nvSpPr>
-        <p:spPr/>
-        <p:txBody>
-          <a:bodyPr/>
-          <a:lstStyle/>
-          <a:p>
-            <a:endParaRPr lang="ru-RU"/>
-          </a:p>
-        </p:txBody>
-      </p:sp>
-      <p:pic>
-        <p:nvPicPr>
-          <p:cNvPr id="4" name="Рисунок 3"/>
-          <p:cNvPicPr/>
+          <p:cNvPr id="4" name="Прямоугольник 3"/>
+          <p:cNvSpPr/>
           <p:nvPr/>
-        </p:nvPicPr>
-        <p:blipFill>
-          <a:blip r:embed="rId2"/>
-          <a:srcRect/>
-          <a:stretch>
-            <a:fillRect/>
-          </a:stretch>
-        </p:blipFill>
-        <p:spPr bwMode="auto">
+        </p:nvSpPr>
+        <p:spPr>
           <a:xfrm>
-            <a:off x="0" y="1428736"/>
-            <a:ext cx="9144000" cy="5429264"/>
+            <a:off x="1000100" y="3140968"/>
+            <a:ext cx="1643074" cy="1000132"/>
           </a:xfrm>
           <a:prstGeom prst="rect">
             <a:avLst/>
           </a:prstGeom>
-          <a:noFill/>
-          <a:ln w="9525">
-            <a:noFill/>
-            <a:miter lim="800000"/>
-            <a:headEnd/>
-            <a:tailEnd/>
+        </p:spPr>
+        <p:style>
+          <a:lnRef idx="2">
+            <a:schemeClr val="accent1">
+              <a:shade val="50000"/>
+            </a:schemeClr>
+          </a:lnRef>
+          <a:fillRef idx="1">
+            <a:schemeClr val="accent1"/>
+          </a:fillRef>
+          <a:effectRef idx="0">
+            <a:schemeClr val="accent1"/>
+          </a:effectRef>
+          <a:fontRef idx="minor">
+            <a:schemeClr val="lt1"/>
+          </a:fontRef>
+        </p:style>
+        <p:txBody>
+          <a:bodyPr rtlCol="0" anchor="ctr"/>
+          <a:lstStyle/>
+          <a:p>
+            <a:pPr algn="ctr"/>
+            <a:r>
+              <a:rPr lang="ru-RU" dirty="0" smtClean="0"/>
+              <a:t>Сервер-передатчик</a:t>
+            </a:r>
+            <a:endParaRPr lang="ru-RU" dirty="0"/>
+          </a:p>
+        </p:txBody>
+      </p:sp>
+      <p:sp>
+        <p:nvSpPr>
+          <p:cNvPr id="5" name="Прямоугольник 4"/>
+          <p:cNvSpPr/>
+          <p:nvPr/>
+        </p:nvSpPr>
+        <p:spPr>
+          <a:xfrm>
+            <a:off x="1000100" y="4444522"/>
+            <a:ext cx="1643074" cy="928694"/>
+          </a:xfrm>
+          <a:prstGeom prst="rect">
+            <a:avLst/>
+          </a:prstGeom>
+        </p:spPr>
+        <p:style>
+          <a:lnRef idx="2">
+            <a:schemeClr val="accent1">
+              <a:shade val="50000"/>
+            </a:schemeClr>
+          </a:lnRef>
+          <a:fillRef idx="1">
+            <a:schemeClr val="accent1"/>
+          </a:fillRef>
+          <a:effectRef idx="0">
+            <a:schemeClr val="accent1"/>
+          </a:effectRef>
+          <a:fontRef idx="minor">
+            <a:schemeClr val="lt1"/>
+          </a:fontRef>
+        </p:style>
+        <p:txBody>
+          <a:bodyPr rtlCol="0" anchor="ctr"/>
+          <a:lstStyle/>
+          <a:p>
+            <a:pPr algn="ctr"/>
+            <a:r>
+              <a:rPr lang="ru-RU" dirty="0" smtClean="0"/>
+              <a:t>Сервер-обработчик</a:t>
+            </a:r>
+            <a:endParaRPr lang="ru-RU" dirty="0"/>
+          </a:p>
+        </p:txBody>
+      </p:sp>
+      <p:cxnSp>
+        <p:nvCxnSpPr>
+          <p:cNvPr id="7" name="Прямая со стрелкой 6"/>
+          <p:cNvCxnSpPr>
+            <a:stCxn id="4" idx="2"/>
+            <a:endCxn id="5" idx="0"/>
+          </p:cNvCxnSpPr>
+          <p:nvPr/>
+        </p:nvCxnSpPr>
+        <p:spPr>
+          <a:xfrm>
+            <a:off x="1821637" y="4141100"/>
+            <a:ext cx="0" cy="303422"/>
+          </a:xfrm>
+          <a:prstGeom prst="straightConnector1">
+            <a:avLst/>
+          </a:prstGeom>
+          <a:ln>
+            <a:headEnd type="arrow"/>
+            <a:tailEnd type="arrow"/>
           </a:ln>
         </p:spPr>
-      </p:pic>
+        <p:style>
+          <a:lnRef idx="1">
+            <a:schemeClr val="accent1"/>
+          </a:lnRef>
+          <a:fillRef idx="0">
+            <a:schemeClr val="accent1"/>
+          </a:fillRef>
+          <a:effectRef idx="0">
+            <a:schemeClr val="accent1"/>
+          </a:effectRef>
+          <a:fontRef idx="minor">
+            <a:schemeClr val="tx1"/>
+          </a:fontRef>
+        </p:style>
+      </p:cxnSp>
+      <p:sp>
+        <p:nvSpPr>
+          <p:cNvPr id="8" name="Прямоугольник 7"/>
+          <p:cNvSpPr/>
+          <p:nvPr/>
+        </p:nvSpPr>
+        <p:spPr>
+          <a:xfrm>
+            <a:off x="4714876" y="2000240"/>
+            <a:ext cx="1643074" cy="1000132"/>
+          </a:xfrm>
+          <a:prstGeom prst="rect">
+            <a:avLst/>
+          </a:prstGeom>
+        </p:spPr>
+        <p:style>
+          <a:lnRef idx="2">
+            <a:schemeClr val="accent1">
+              <a:shade val="50000"/>
+            </a:schemeClr>
+          </a:lnRef>
+          <a:fillRef idx="1">
+            <a:schemeClr val="accent1"/>
+          </a:fillRef>
+          <a:effectRef idx="0">
+            <a:schemeClr val="accent1"/>
+          </a:effectRef>
+          <a:fontRef idx="minor">
+            <a:schemeClr val="lt1"/>
+          </a:fontRef>
+        </p:style>
+        <p:txBody>
+          <a:bodyPr rtlCol="0" anchor="ctr"/>
+          <a:lstStyle/>
+          <a:p>
+            <a:pPr algn="ctr"/>
+            <a:r>
+              <a:rPr lang="ru-RU" dirty="0" smtClean="0"/>
+              <a:t>Клиент-передатчик</a:t>
+            </a:r>
+            <a:endParaRPr lang="ru-RU" dirty="0"/>
+          </a:p>
+        </p:txBody>
+      </p:sp>
+      <p:sp>
+        <p:nvSpPr>
+          <p:cNvPr id="9" name="Прямоугольник 8"/>
+          <p:cNvSpPr/>
+          <p:nvPr/>
+        </p:nvSpPr>
+        <p:spPr>
+          <a:xfrm>
+            <a:off x="6572264" y="2000240"/>
+            <a:ext cx="1643074" cy="1000132"/>
+          </a:xfrm>
+          <a:prstGeom prst="rect">
+            <a:avLst/>
+          </a:prstGeom>
+        </p:spPr>
+        <p:style>
+          <a:lnRef idx="2">
+            <a:schemeClr val="accent1">
+              <a:shade val="50000"/>
+            </a:schemeClr>
+          </a:lnRef>
+          <a:fillRef idx="1">
+            <a:schemeClr val="accent1"/>
+          </a:fillRef>
+          <a:effectRef idx="0">
+            <a:schemeClr val="accent1"/>
+          </a:effectRef>
+          <a:fontRef idx="minor">
+            <a:schemeClr val="lt1"/>
+          </a:fontRef>
+        </p:style>
+        <p:txBody>
+          <a:bodyPr rtlCol="0" anchor="ctr"/>
+          <a:lstStyle/>
+          <a:p>
+            <a:pPr algn="ctr"/>
+            <a:r>
+              <a:rPr lang="ru-RU" dirty="0" smtClean="0"/>
+              <a:t>Клиент-обработчик</a:t>
+            </a:r>
+            <a:endParaRPr lang="ru-RU" dirty="0"/>
+          </a:p>
+        </p:txBody>
+      </p:sp>
+      <p:cxnSp>
+        <p:nvCxnSpPr>
+          <p:cNvPr id="10" name="Прямая со стрелкой 9"/>
+          <p:cNvCxnSpPr>
+            <a:stCxn id="8" idx="3"/>
+            <a:endCxn id="9" idx="1"/>
+          </p:cNvCxnSpPr>
+          <p:nvPr/>
+        </p:nvCxnSpPr>
+        <p:spPr>
+          <a:xfrm>
+            <a:off x="6357950" y="2500306"/>
+            <a:ext cx="214314" cy="1588"/>
+          </a:xfrm>
+          <a:prstGeom prst="straightConnector1">
+            <a:avLst/>
+          </a:prstGeom>
+          <a:ln>
+            <a:headEnd type="arrow"/>
+            <a:tailEnd type="arrow"/>
+          </a:ln>
+        </p:spPr>
+        <p:style>
+          <a:lnRef idx="1">
+            <a:schemeClr val="accent1"/>
+          </a:lnRef>
+          <a:fillRef idx="0">
+            <a:schemeClr val="accent1"/>
+          </a:fillRef>
+          <a:effectRef idx="0">
+            <a:schemeClr val="accent1"/>
+          </a:effectRef>
+          <a:fontRef idx="minor">
+            <a:schemeClr val="tx1"/>
+          </a:fontRef>
+        </p:style>
+      </p:cxnSp>
+      <p:cxnSp>
+        <p:nvCxnSpPr>
+          <p:cNvPr id="13" name="Прямая со стрелкой 12"/>
+          <p:cNvCxnSpPr>
+            <a:stCxn id="4" idx="3"/>
+            <a:endCxn id="8" idx="1"/>
+          </p:cNvCxnSpPr>
+          <p:nvPr/>
+        </p:nvCxnSpPr>
+        <p:spPr>
+          <a:xfrm flipV="1">
+            <a:off x="2643174" y="2500306"/>
+            <a:ext cx="2071702" cy="1140728"/>
+          </a:xfrm>
+          <a:prstGeom prst="straightConnector1">
+            <a:avLst/>
+          </a:prstGeom>
+          <a:ln>
+            <a:headEnd type="arrow"/>
+            <a:tailEnd type="arrow"/>
+          </a:ln>
+        </p:spPr>
+        <p:style>
+          <a:lnRef idx="1">
+            <a:schemeClr val="accent1"/>
+          </a:lnRef>
+          <a:fillRef idx="0">
+            <a:schemeClr val="accent1"/>
+          </a:fillRef>
+          <a:effectRef idx="0">
+            <a:schemeClr val="accent1"/>
+          </a:effectRef>
+          <a:fontRef idx="minor">
+            <a:schemeClr val="tx1"/>
+          </a:fontRef>
+        </p:style>
+      </p:cxnSp>
+      <p:sp>
+        <p:nvSpPr>
+          <p:cNvPr id="24" name="Прямоугольник 23"/>
+          <p:cNvSpPr/>
+          <p:nvPr/>
+        </p:nvSpPr>
+        <p:spPr>
+          <a:xfrm>
+            <a:off x="4714876" y="3143248"/>
+            <a:ext cx="1643074" cy="1000132"/>
+          </a:xfrm>
+          <a:prstGeom prst="rect">
+            <a:avLst/>
+          </a:prstGeom>
+        </p:spPr>
+        <p:style>
+          <a:lnRef idx="2">
+            <a:schemeClr val="accent1">
+              <a:shade val="50000"/>
+            </a:schemeClr>
+          </a:lnRef>
+          <a:fillRef idx="1">
+            <a:schemeClr val="accent1"/>
+          </a:fillRef>
+          <a:effectRef idx="0">
+            <a:schemeClr val="accent1"/>
+          </a:effectRef>
+          <a:fontRef idx="minor">
+            <a:schemeClr val="lt1"/>
+          </a:fontRef>
+        </p:style>
+        <p:txBody>
+          <a:bodyPr rtlCol="0" anchor="ctr"/>
+          <a:lstStyle/>
+          <a:p>
+            <a:pPr algn="ctr"/>
+            <a:r>
+              <a:rPr lang="ru-RU" dirty="0" smtClean="0"/>
+              <a:t>Клиент-передатчик</a:t>
+            </a:r>
+            <a:endParaRPr lang="ru-RU" dirty="0"/>
+          </a:p>
+        </p:txBody>
+      </p:sp>
+      <p:sp>
+        <p:nvSpPr>
+          <p:cNvPr id="25" name="Прямоугольник 24"/>
+          <p:cNvSpPr/>
+          <p:nvPr/>
+        </p:nvSpPr>
+        <p:spPr>
+          <a:xfrm>
+            <a:off x="6572264" y="3143248"/>
+            <a:ext cx="1643074" cy="1000132"/>
+          </a:xfrm>
+          <a:prstGeom prst="rect">
+            <a:avLst/>
+          </a:prstGeom>
+        </p:spPr>
+        <p:style>
+          <a:lnRef idx="2">
+            <a:schemeClr val="accent1">
+              <a:shade val="50000"/>
+            </a:schemeClr>
+          </a:lnRef>
+          <a:fillRef idx="1">
+            <a:schemeClr val="accent1"/>
+          </a:fillRef>
+          <a:effectRef idx="0">
+            <a:schemeClr val="accent1"/>
+          </a:effectRef>
+          <a:fontRef idx="minor">
+            <a:schemeClr val="lt1"/>
+          </a:fontRef>
+        </p:style>
+        <p:txBody>
+          <a:bodyPr rtlCol="0" anchor="ctr"/>
+          <a:lstStyle/>
+          <a:p>
+            <a:pPr algn="ctr"/>
+            <a:r>
+              <a:rPr lang="ru-RU" dirty="0" smtClean="0"/>
+              <a:t>Клиент-обработчик</a:t>
+            </a:r>
+            <a:endParaRPr lang="ru-RU" dirty="0"/>
+          </a:p>
+        </p:txBody>
+      </p:sp>
+      <p:cxnSp>
+        <p:nvCxnSpPr>
+          <p:cNvPr id="26" name="Прямая со стрелкой 25"/>
+          <p:cNvCxnSpPr>
+            <a:stCxn id="24" idx="3"/>
+            <a:endCxn id="25" idx="1"/>
+          </p:cNvCxnSpPr>
+          <p:nvPr/>
+        </p:nvCxnSpPr>
+        <p:spPr>
+          <a:xfrm>
+            <a:off x="6357950" y="3643314"/>
+            <a:ext cx="214314" cy="1588"/>
+          </a:xfrm>
+          <a:prstGeom prst="straightConnector1">
+            <a:avLst/>
+          </a:prstGeom>
+          <a:ln>
+            <a:headEnd type="arrow"/>
+            <a:tailEnd type="arrow"/>
+          </a:ln>
+        </p:spPr>
+        <p:style>
+          <a:lnRef idx="1">
+            <a:schemeClr val="accent1"/>
+          </a:lnRef>
+          <a:fillRef idx="0">
+            <a:schemeClr val="accent1"/>
+          </a:fillRef>
+          <a:effectRef idx="0">
+            <a:schemeClr val="accent1"/>
+          </a:effectRef>
+          <a:fontRef idx="minor">
+            <a:schemeClr val="tx1"/>
+          </a:fontRef>
+        </p:style>
+      </p:cxnSp>
+      <p:sp>
+        <p:nvSpPr>
+          <p:cNvPr id="27" name="Прямоугольник 26"/>
+          <p:cNvSpPr/>
+          <p:nvPr/>
+        </p:nvSpPr>
+        <p:spPr>
+          <a:xfrm>
+            <a:off x="4714876" y="4286256"/>
+            <a:ext cx="1643074" cy="1000132"/>
+          </a:xfrm>
+          <a:prstGeom prst="rect">
+            <a:avLst/>
+          </a:prstGeom>
+        </p:spPr>
+        <p:style>
+          <a:lnRef idx="2">
+            <a:schemeClr val="accent1">
+              <a:shade val="50000"/>
+            </a:schemeClr>
+          </a:lnRef>
+          <a:fillRef idx="1">
+            <a:schemeClr val="accent1"/>
+          </a:fillRef>
+          <a:effectRef idx="0">
+            <a:schemeClr val="accent1"/>
+          </a:effectRef>
+          <a:fontRef idx="minor">
+            <a:schemeClr val="lt1"/>
+          </a:fontRef>
+        </p:style>
+        <p:txBody>
+          <a:bodyPr rtlCol="0" anchor="ctr"/>
+          <a:lstStyle/>
+          <a:p>
+            <a:pPr algn="ctr"/>
+            <a:r>
+              <a:rPr lang="ru-RU" dirty="0" smtClean="0"/>
+              <a:t>Клиент-передатчик</a:t>
+            </a:r>
+            <a:endParaRPr lang="ru-RU" dirty="0"/>
+          </a:p>
+        </p:txBody>
+      </p:sp>
+      <p:sp>
+        <p:nvSpPr>
+          <p:cNvPr id="28" name="Прямоугольник 27"/>
+          <p:cNvSpPr/>
+          <p:nvPr/>
+        </p:nvSpPr>
+        <p:spPr>
+          <a:xfrm>
+            <a:off x="6572264" y="4286256"/>
+            <a:ext cx="1643074" cy="1000132"/>
+          </a:xfrm>
+          <a:prstGeom prst="rect">
+            <a:avLst/>
+          </a:prstGeom>
+        </p:spPr>
+        <p:style>
+          <a:lnRef idx="2">
+            <a:schemeClr val="accent1">
+              <a:shade val="50000"/>
+            </a:schemeClr>
+          </a:lnRef>
+          <a:fillRef idx="1">
+            <a:schemeClr val="accent1"/>
+          </a:fillRef>
+          <a:effectRef idx="0">
+            <a:schemeClr val="accent1"/>
+          </a:effectRef>
+          <a:fontRef idx="minor">
+            <a:schemeClr val="lt1"/>
+          </a:fontRef>
+        </p:style>
+        <p:txBody>
+          <a:bodyPr rtlCol="0" anchor="ctr"/>
+          <a:lstStyle/>
+          <a:p>
+            <a:pPr algn="ctr"/>
+            <a:r>
+              <a:rPr lang="ru-RU" dirty="0" smtClean="0"/>
+              <a:t>Клиент-обработчик</a:t>
+            </a:r>
+            <a:endParaRPr lang="ru-RU" dirty="0"/>
+          </a:p>
+        </p:txBody>
+      </p:sp>
+      <p:cxnSp>
+        <p:nvCxnSpPr>
+          <p:cNvPr id="29" name="Прямая со стрелкой 28"/>
+          <p:cNvCxnSpPr>
+            <a:stCxn id="27" idx="3"/>
+            <a:endCxn id="28" idx="1"/>
+          </p:cNvCxnSpPr>
+          <p:nvPr/>
+        </p:nvCxnSpPr>
+        <p:spPr>
+          <a:xfrm>
+            <a:off x="6357950" y="4786322"/>
+            <a:ext cx="214314" cy="1588"/>
+          </a:xfrm>
+          <a:prstGeom prst="straightConnector1">
+            <a:avLst/>
+          </a:prstGeom>
+          <a:ln>
+            <a:headEnd type="arrow"/>
+            <a:tailEnd type="arrow"/>
+          </a:ln>
+        </p:spPr>
+        <p:style>
+          <a:lnRef idx="1">
+            <a:schemeClr val="accent1"/>
+          </a:lnRef>
+          <a:fillRef idx="0">
+            <a:schemeClr val="accent1"/>
+          </a:fillRef>
+          <a:effectRef idx="0">
+            <a:schemeClr val="accent1"/>
+          </a:effectRef>
+          <a:fontRef idx="minor">
+            <a:schemeClr val="tx1"/>
+          </a:fontRef>
+        </p:style>
+      </p:cxnSp>
+      <p:cxnSp>
+        <p:nvCxnSpPr>
+          <p:cNvPr id="37" name="Прямая со стрелкой 36"/>
+          <p:cNvCxnSpPr>
+            <a:stCxn id="4" idx="3"/>
+            <a:endCxn id="24" idx="1"/>
+          </p:cNvCxnSpPr>
+          <p:nvPr/>
+        </p:nvCxnSpPr>
+        <p:spPr>
+          <a:xfrm>
+            <a:off x="2643174" y="3641034"/>
+            <a:ext cx="2071702" cy="2280"/>
+          </a:xfrm>
+          <a:prstGeom prst="straightConnector1">
+            <a:avLst/>
+          </a:prstGeom>
+          <a:ln>
+            <a:headEnd type="arrow"/>
+            <a:tailEnd type="arrow"/>
+          </a:ln>
+        </p:spPr>
+        <p:style>
+          <a:lnRef idx="1">
+            <a:schemeClr val="accent1"/>
+          </a:lnRef>
+          <a:fillRef idx="0">
+            <a:schemeClr val="accent1"/>
+          </a:fillRef>
+          <a:effectRef idx="0">
+            <a:schemeClr val="accent1"/>
+          </a:effectRef>
+          <a:fontRef idx="minor">
+            <a:schemeClr val="tx1"/>
+          </a:fontRef>
+        </p:style>
+      </p:cxnSp>
+      <p:cxnSp>
+        <p:nvCxnSpPr>
+          <p:cNvPr id="40" name="Прямая со стрелкой 39"/>
+          <p:cNvCxnSpPr>
+            <a:stCxn id="4" idx="3"/>
+            <a:endCxn id="27" idx="1"/>
+          </p:cNvCxnSpPr>
+          <p:nvPr/>
+        </p:nvCxnSpPr>
+        <p:spPr>
+          <a:xfrm>
+            <a:off x="2643174" y="3641034"/>
+            <a:ext cx="2071702" cy="1145288"/>
+          </a:xfrm>
+          <a:prstGeom prst="straightConnector1">
+            <a:avLst/>
+          </a:prstGeom>
+          <a:ln>
+            <a:headEnd type="arrow"/>
+            <a:tailEnd type="arrow"/>
+          </a:ln>
+        </p:spPr>
+        <p:style>
+          <a:lnRef idx="1">
+            <a:schemeClr val="accent1"/>
+          </a:lnRef>
+          <a:fillRef idx="0">
+            <a:schemeClr val="accent1"/>
+          </a:fillRef>
+          <a:effectRef idx="0">
+            <a:schemeClr val="accent1"/>
+          </a:effectRef>
+          <a:fontRef idx="minor">
+            <a:schemeClr val="tx1"/>
+          </a:fontRef>
+        </p:style>
+      </p:cxnSp>
     </p:spTree>
   </p:cSld>
   <p:clrMapOvr>
     <a:masterClrMapping/>
   </p:clrMapOvr>
+  <p:timing>
+    <p:tnLst>
+      <p:par>
+        <p:cTn id="1" dur="indefinite" restart="never" nodeType="tmRoot"/>
+      </p:par>
+    </p:tnLst>
+  </p:timing>
 </p:sld>
 </file>
 
@@ -3588,16 +4512,21 @@
             <p:ph type="title"/>
           </p:nvPr>
         </p:nvSpPr>
-        <p:spPr/>
+        <p:spPr>
+          <a:xfrm>
+            <a:off x="457200" y="260990"/>
+            <a:ext cx="8229600" cy="1143000"/>
+          </a:xfrm>
+        </p:spPr>
         <p:txBody>
           <a:bodyPr>
-            <a:normAutofit/>
+            <a:normAutofit fontScale="90000"/>
           </a:bodyPr>
           <a:lstStyle/>
           <a:p>
             <a:r>
               <a:rPr lang="ru-RU" dirty="0" smtClean="0"/>
-              <a:t>Заключение</a:t>
+              <a:t>Принцип работы сервера-передатчика</a:t>
             </a:r>
             <a:endParaRPr lang="ru-RU" dirty="0"/>
           </a:p>
@@ -3605,28 +4534,348 @@
       </p:sp>
       <p:sp>
         <p:nvSpPr>
-          <p:cNvPr id="3" name="Содержимое 2"/>
-          <p:cNvSpPr>
-            <a:spLocks noGrp="1"/>
-          </p:cNvSpPr>
-          <p:nvPr>
-            <p:ph idx="1"/>
-          </p:nvPr>
-        </p:nvSpPr>
-        <p:spPr/>
-        <p:txBody>
-          <a:bodyPr/>
-          <a:lstStyle/>
-          <a:p>
-            <a:endParaRPr lang="ru-RU"/>
-          </a:p>
-        </p:txBody>
-      </p:sp>
+          <p:cNvPr id="4" name="Прямоугольник 3"/>
+          <p:cNvSpPr/>
+          <p:nvPr/>
+        </p:nvSpPr>
+        <p:spPr>
+          <a:xfrm>
+            <a:off x="3563888" y="1618304"/>
+            <a:ext cx="2016224" cy="1234632"/>
+          </a:xfrm>
+          <a:prstGeom prst="rect">
+            <a:avLst/>
+          </a:prstGeom>
+          <a:solidFill>
+            <a:srgbClr val="00B0F0"/>
+          </a:solidFill>
+        </p:spPr>
+        <p:style>
+          <a:lnRef idx="2">
+            <a:schemeClr val="accent1">
+              <a:shade val="50000"/>
+            </a:schemeClr>
+          </a:lnRef>
+          <a:fillRef idx="1">
+            <a:schemeClr val="accent1"/>
+          </a:fillRef>
+          <a:effectRef idx="0">
+            <a:schemeClr val="accent1"/>
+          </a:effectRef>
+          <a:fontRef idx="minor">
+            <a:schemeClr val="lt1"/>
+          </a:fontRef>
+        </p:style>
+        <p:txBody>
+          <a:bodyPr rtlCol="0" anchor="ctr"/>
+          <a:lstStyle/>
+          <a:p>
+            <a:pPr algn="ctr"/>
+            <a:r>
+              <a:rPr lang="ru-RU" sz="2400" dirty="0" smtClean="0"/>
+              <a:t>Ожидание подключения клиента</a:t>
+            </a:r>
+            <a:endParaRPr lang="ru-RU" sz="2400" dirty="0"/>
+          </a:p>
+        </p:txBody>
+      </p:sp>
+      <p:sp>
+        <p:nvSpPr>
+          <p:cNvPr id="11" name="Прямоугольник 10"/>
+          <p:cNvSpPr/>
+          <p:nvPr/>
+        </p:nvSpPr>
+        <p:spPr>
+          <a:xfrm>
+            <a:off x="5940152" y="3212976"/>
+            <a:ext cx="1859098" cy="1440160"/>
+          </a:xfrm>
+          <a:prstGeom prst="rect">
+            <a:avLst/>
+          </a:prstGeom>
+          <a:solidFill>
+            <a:srgbClr val="00B050"/>
+          </a:solidFill>
+        </p:spPr>
+        <p:style>
+          <a:lnRef idx="2">
+            <a:schemeClr val="accent1">
+              <a:shade val="50000"/>
+            </a:schemeClr>
+          </a:lnRef>
+          <a:fillRef idx="1">
+            <a:schemeClr val="accent1"/>
+          </a:fillRef>
+          <a:effectRef idx="0">
+            <a:schemeClr val="accent1"/>
+          </a:effectRef>
+          <a:fontRef idx="minor">
+            <a:schemeClr val="lt1"/>
+          </a:fontRef>
+        </p:style>
+        <p:txBody>
+          <a:bodyPr rtlCol="0" anchor="ctr"/>
+          <a:lstStyle/>
+          <a:p>
+            <a:pPr algn="ctr"/>
+            <a:r>
+              <a:rPr lang="ru-RU" sz="2400" dirty="0" smtClean="0"/>
+              <a:t>Передача данных программе-обработчику</a:t>
+            </a:r>
+            <a:endParaRPr lang="ru-RU" sz="2400" dirty="0"/>
+          </a:p>
+        </p:txBody>
+      </p:sp>
+      <p:sp>
+        <p:nvSpPr>
+          <p:cNvPr id="12" name="Прямоугольник 11"/>
+          <p:cNvSpPr/>
+          <p:nvPr/>
+        </p:nvSpPr>
+        <p:spPr>
+          <a:xfrm>
+            <a:off x="3563888" y="5157192"/>
+            <a:ext cx="2016224" cy="1503618"/>
+          </a:xfrm>
+          <a:prstGeom prst="rect">
+            <a:avLst/>
+          </a:prstGeom>
+          <a:solidFill>
+            <a:srgbClr val="00B050"/>
+          </a:solidFill>
+        </p:spPr>
+        <p:style>
+          <a:lnRef idx="2">
+            <a:schemeClr val="accent1">
+              <a:shade val="50000"/>
+            </a:schemeClr>
+          </a:lnRef>
+          <a:fillRef idx="1">
+            <a:schemeClr val="accent1"/>
+          </a:fillRef>
+          <a:effectRef idx="0">
+            <a:schemeClr val="accent1"/>
+          </a:effectRef>
+          <a:fontRef idx="minor">
+            <a:schemeClr val="lt1"/>
+          </a:fontRef>
+        </p:style>
+        <p:txBody>
+          <a:bodyPr rtlCol="0" anchor="ctr"/>
+          <a:lstStyle/>
+          <a:p>
+            <a:pPr algn="ctr"/>
+            <a:r>
+              <a:rPr lang="ru-RU" sz="2400" dirty="0" smtClean="0"/>
+              <a:t>Получение ответа программы-обработчика</a:t>
+            </a:r>
+            <a:endParaRPr lang="ru-RU" sz="2400" dirty="0"/>
+          </a:p>
+        </p:txBody>
+      </p:sp>
+      <p:sp>
+        <p:nvSpPr>
+          <p:cNvPr id="13" name="Прямоугольник 12"/>
+          <p:cNvSpPr/>
+          <p:nvPr/>
+        </p:nvSpPr>
+        <p:spPr>
+          <a:xfrm>
+            <a:off x="1187624" y="3212976"/>
+            <a:ext cx="1872208" cy="1440160"/>
+          </a:xfrm>
+          <a:prstGeom prst="rect">
+            <a:avLst/>
+          </a:prstGeom>
+          <a:solidFill>
+            <a:srgbClr val="00B0F0"/>
+          </a:solidFill>
+        </p:spPr>
+        <p:style>
+          <a:lnRef idx="2">
+            <a:schemeClr val="accent1">
+              <a:shade val="50000"/>
+            </a:schemeClr>
+          </a:lnRef>
+          <a:fillRef idx="1">
+            <a:schemeClr val="accent1"/>
+          </a:fillRef>
+          <a:effectRef idx="0">
+            <a:schemeClr val="accent1"/>
+          </a:effectRef>
+          <a:fontRef idx="minor">
+            <a:schemeClr val="lt1"/>
+          </a:fontRef>
+        </p:style>
+        <p:txBody>
+          <a:bodyPr rtlCol="0" anchor="ctr"/>
+          <a:lstStyle/>
+          <a:p>
+            <a:pPr algn="ctr"/>
+            <a:r>
+              <a:rPr lang="ru-RU" sz="2400" dirty="0" smtClean="0"/>
+              <a:t>Пересылка новой задачи</a:t>
+            </a:r>
+            <a:endParaRPr lang="ru-RU" sz="2400" dirty="0"/>
+          </a:p>
+        </p:txBody>
+      </p:sp>
+      <p:cxnSp>
+        <p:nvCxnSpPr>
+          <p:cNvPr id="5" name="Прямая со стрелкой 4"/>
+          <p:cNvCxnSpPr>
+            <a:stCxn id="4" idx="3"/>
+            <a:endCxn id="11" idx="0"/>
+          </p:cNvCxnSpPr>
+          <p:nvPr/>
+        </p:nvCxnSpPr>
+        <p:spPr>
+          <a:xfrm>
+            <a:off x="5580112" y="2235620"/>
+            <a:ext cx="1289589" cy="977356"/>
+          </a:xfrm>
+          <a:prstGeom prst="straightConnector1">
+            <a:avLst/>
+          </a:prstGeom>
+          <a:ln w="76200">
+            <a:tailEnd type="triangle"/>
+          </a:ln>
+        </p:spPr>
+        <p:style>
+          <a:lnRef idx="1">
+            <a:schemeClr val="accent1"/>
+          </a:lnRef>
+          <a:fillRef idx="0">
+            <a:schemeClr val="accent1"/>
+          </a:fillRef>
+          <a:effectRef idx="0">
+            <a:schemeClr val="accent1"/>
+          </a:effectRef>
+          <a:fontRef idx="minor">
+            <a:schemeClr val="tx1"/>
+          </a:fontRef>
+        </p:style>
+      </p:cxnSp>
+      <p:cxnSp>
+        <p:nvCxnSpPr>
+          <p:cNvPr id="8" name="Прямая со стрелкой 7"/>
+          <p:cNvCxnSpPr>
+            <a:stCxn id="11" idx="2"/>
+            <a:endCxn id="12" idx="3"/>
+          </p:cNvCxnSpPr>
+          <p:nvPr/>
+        </p:nvCxnSpPr>
+        <p:spPr>
+          <a:xfrm flipH="1">
+            <a:off x="5580112" y="4653136"/>
+            <a:ext cx="1289589" cy="1255865"/>
+          </a:xfrm>
+          <a:prstGeom prst="straightConnector1">
+            <a:avLst/>
+          </a:prstGeom>
+          <a:ln w="76200">
+            <a:tailEnd type="triangle"/>
+          </a:ln>
+        </p:spPr>
+        <p:style>
+          <a:lnRef idx="1">
+            <a:schemeClr val="accent1"/>
+          </a:lnRef>
+          <a:fillRef idx="0">
+            <a:schemeClr val="accent1"/>
+          </a:fillRef>
+          <a:effectRef idx="0">
+            <a:schemeClr val="accent1"/>
+          </a:effectRef>
+          <a:fontRef idx="minor">
+            <a:schemeClr val="tx1"/>
+          </a:fontRef>
+        </p:style>
+      </p:cxnSp>
+      <p:cxnSp>
+        <p:nvCxnSpPr>
+          <p:cNvPr id="10" name="Прямая со стрелкой 9"/>
+          <p:cNvCxnSpPr>
+            <a:stCxn id="12" idx="1"/>
+            <a:endCxn id="13" idx="2"/>
+          </p:cNvCxnSpPr>
+          <p:nvPr/>
+        </p:nvCxnSpPr>
+        <p:spPr>
+          <a:xfrm flipH="1" flipV="1">
+            <a:off x="2123728" y="4653136"/>
+            <a:ext cx="1440160" cy="1255865"/>
+          </a:xfrm>
+          <a:prstGeom prst="straightConnector1">
+            <a:avLst/>
+          </a:prstGeom>
+          <a:ln w="76200">
+            <a:tailEnd type="triangle"/>
+          </a:ln>
+        </p:spPr>
+        <p:style>
+          <a:lnRef idx="1">
+            <a:schemeClr val="accent1"/>
+          </a:lnRef>
+          <a:fillRef idx="0">
+            <a:schemeClr val="accent1"/>
+          </a:fillRef>
+          <a:effectRef idx="0">
+            <a:schemeClr val="accent1"/>
+          </a:effectRef>
+          <a:fontRef idx="minor">
+            <a:schemeClr val="tx1"/>
+          </a:fontRef>
+        </p:style>
+      </p:cxnSp>
+      <p:cxnSp>
+        <p:nvCxnSpPr>
+          <p:cNvPr id="28" name="Прямая со стрелкой 27"/>
+          <p:cNvCxnSpPr>
+            <a:stCxn id="13" idx="0"/>
+            <a:endCxn id="4" idx="1"/>
+          </p:cNvCxnSpPr>
+          <p:nvPr/>
+        </p:nvCxnSpPr>
+        <p:spPr>
+          <a:xfrm flipV="1">
+            <a:off x="2123728" y="2235620"/>
+            <a:ext cx="1440160" cy="977356"/>
+          </a:xfrm>
+          <a:prstGeom prst="straightConnector1">
+            <a:avLst/>
+          </a:prstGeom>
+          <a:ln w="76200">
+            <a:tailEnd type="triangle"/>
+          </a:ln>
+        </p:spPr>
+        <p:style>
+          <a:lnRef idx="1">
+            <a:schemeClr val="accent1"/>
+          </a:lnRef>
+          <a:fillRef idx="0">
+            <a:schemeClr val="accent1"/>
+          </a:fillRef>
+          <a:effectRef idx="0">
+            <a:schemeClr val="accent1"/>
+          </a:effectRef>
+          <a:fontRef idx="minor">
+            <a:schemeClr val="tx1"/>
+          </a:fontRef>
+        </p:style>
+      </p:cxnSp>
     </p:spTree>
   </p:cSld>
   <p:clrMapOvr>
     <a:masterClrMapping/>
   </p:clrMapOvr>
+  <p:timing>
+    <p:tnLst>
+      <p:par>
+        <p:cTn id="1" dur="indefinite" restart="never" nodeType="tmRoot"/>
+      </p:par>
+    </p:tnLst>
+  </p:timing>
 </p:sld>
 </file>
 
@@ -3666,7 +4915,7 @@
           <a:p>
             <a:r>
               <a:rPr lang="ru-RU" dirty="0" smtClean="0"/>
-              <a:t>Список использованной литературы</a:t>
+              <a:t>Принцип работы сервера-обработчика</a:t>
             </a:r>
             <a:endParaRPr lang="ru-RU" dirty="0"/>
           </a:p>
@@ -3674,127 +4923,1847 @@
       </p:sp>
       <p:sp>
         <p:nvSpPr>
-          <p:cNvPr id="3" name="Содержимое 2"/>
-          <p:cNvSpPr>
-            <a:spLocks noGrp="1"/>
-          </p:cNvSpPr>
-          <p:nvPr>
-            <p:ph idx="1"/>
+          <p:cNvPr id="4" name="Прямоугольник 3"/>
+          <p:cNvSpPr/>
+          <p:nvPr/>
+        </p:nvSpPr>
+        <p:spPr>
+          <a:xfrm>
+            <a:off x="2917241" y="2733784"/>
+            <a:ext cx="1944215" cy="1415296"/>
+          </a:xfrm>
+          <a:prstGeom prst="rect">
+            <a:avLst/>
+          </a:prstGeom>
+          <a:solidFill>
+            <a:srgbClr val="00B050"/>
+          </a:solidFill>
+        </p:spPr>
+        <p:style>
+          <a:lnRef idx="2">
+            <a:schemeClr val="accent1">
+              <a:shade val="50000"/>
+            </a:schemeClr>
+          </a:lnRef>
+          <a:fillRef idx="1">
+            <a:schemeClr val="accent1"/>
+          </a:fillRef>
+          <a:effectRef idx="0">
+            <a:schemeClr val="accent1"/>
+          </a:effectRef>
+          <a:fontRef idx="minor">
+            <a:schemeClr val="lt1"/>
+          </a:fontRef>
+        </p:style>
+        <p:txBody>
+          <a:bodyPr rtlCol="0" anchor="ctr"/>
+          <a:lstStyle/>
+          <a:p>
+            <a:pPr algn="ctr"/>
+            <a:r>
+              <a:rPr lang="ru-RU" sz="2400" dirty="0" smtClean="0"/>
+              <a:t>Ожидание данных от сервера-передатчика</a:t>
+            </a:r>
+            <a:endParaRPr lang="ru-RU" sz="2400" dirty="0"/>
+          </a:p>
+        </p:txBody>
+      </p:sp>
+      <p:cxnSp>
+        <p:nvCxnSpPr>
+          <p:cNvPr id="8" name="Прямая со стрелкой 7"/>
+          <p:cNvCxnSpPr>
+            <a:stCxn id="4" idx="3"/>
+            <a:endCxn id="23" idx="1"/>
+          </p:cNvCxnSpPr>
+          <p:nvPr/>
+        </p:nvCxnSpPr>
+        <p:spPr>
+          <a:xfrm flipV="1">
+            <a:off x="4861456" y="3165186"/>
+            <a:ext cx="358616" cy="276246"/>
+          </a:xfrm>
+          <a:prstGeom prst="straightConnector1">
+            <a:avLst/>
+          </a:prstGeom>
+          <a:ln w="76200">
+            <a:tailEnd type="triangle"/>
+          </a:ln>
+        </p:spPr>
+        <p:style>
+          <a:lnRef idx="1">
+            <a:schemeClr val="accent1"/>
+          </a:lnRef>
+          <a:fillRef idx="0">
+            <a:schemeClr val="accent1"/>
+          </a:fillRef>
+          <a:effectRef idx="0">
+            <a:schemeClr val="accent1"/>
+          </a:effectRef>
+          <a:fontRef idx="minor">
+            <a:schemeClr val="tx1"/>
+          </a:fontRef>
+        </p:style>
+      </p:cxnSp>
+      <p:sp>
+        <p:nvSpPr>
+          <p:cNvPr id="11" name="Прямоугольник 10"/>
+          <p:cNvSpPr/>
+          <p:nvPr/>
+        </p:nvSpPr>
+        <p:spPr>
+          <a:xfrm>
+            <a:off x="2339752" y="1417638"/>
+            <a:ext cx="3096344" cy="1039901"/>
+          </a:xfrm>
+          <a:prstGeom prst="rect">
+            <a:avLst/>
+          </a:prstGeom>
+          <a:solidFill>
+            <a:srgbClr val="7030A0"/>
+          </a:solidFill>
+        </p:spPr>
+        <p:style>
+          <a:lnRef idx="2">
+            <a:schemeClr val="accent1">
+              <a:shade val="50000"/>
+            </a:schemeClr>
+          </a:lnRef>
+          <a:fillRef idx="1">
+            <a:schemeClr val="accent1"/>
+          </a:fillRef>
+          <a:effectRef idx="0">
+            <a:schemeClr val="accent1"/>
+          </a:effectRef>
+          <a:fontRef idx="minor">
+            <a:schemeClr val="lt1"/>
+          </a:fontRef>
+        </p:style>
+        <p:txBody>
+          <a:bodyPr rtlCol="0" anchor="ctr"/>
+          <a:lstStyle/>
+          <a:p>
+            <a:pPr algn="ctr"/>
+            <a:r>
+              <a:rPr lang="ru-RU" sz="2400" dirty="0" smtClean="0"/>
+              <a:t>Ввод промежуточных результатов из файла</a:t>
+            </a:r>
+            <a:endParaRPr lang="ru-RU" sz="2400" dirty="0"/>
+          </a:p>
+        </p:txBody>
+      </p:sp>
+      <p:cxnSp>
+        <p:nvCxnSpPr>
+          <p:cNvPr id="12" name="Прямая со стрелкой 11"/>
+          <p:cNvCxnSpPr>
+            <a:stCxn id="11" idx="2"/>
+            <a:endCxn id="4" idx="0"/>
+          </p:cNvCxnSpPr>
+          <p:nvPr/>
+        </p:nvCxnSpPr>
+        <p:spPr>
+          <a:xfrm>
+            <a:off x="3887924" y="2457539"/>
+            <a:ext cx="1425" cy="276245"/>
+          </a:xfrm>
+          <a:prstGeom prst="straightConnector1">
+            <a:avLst/>
+          </a:prstGeom>
+          <a:ln w="76200">
+            <a:tailEnd type="triangle"/>
+          </a:ln>
+        </p:spPr>
+        <p:style>
+          <a:lnRef idx="1">
+            <a:schemeClr val="accent1"/>
+          </a:lnRef>
+          <a:fillRef idx="0">
+            <a:schemeClr val="accent1"/>
+          </a:fillRef>
+          <a:effectRef idx="0">
+            <a:schemeClr val="accent1"/>
+          </a:effectRef>
+          <a:fontRef idx="minor">
+            <a:schemeClr val="tx1"/>
+          </a:fontRef>
+        </p:style>
+      </p:cxnSp>
+      <p:sp>
+        <p:nvSpPr>
+          <p:cNvPr id="23" name="Ромб 22"/>
+          <p:cNvSpPr/>
+          <p:nvPr/>
+        </p:nvSpPr>
+        <p:spPr>
+          <a:xfrm>
+            <a:off x="5220072" y="2276872"/>
+            <a:ext cx="3923928" cy="1776628"/>
+          </a:xfrm>
+          <a:prstGeom prst="diamond">
+            <a:avLst/>
+          </a:prstGeom>
+          <a:solidFill>
+            <a:srgbClr val="FF0000"/>
+          </a:solidFill>
+        </p:spPr>
+        <p:style>
+          <a:lnRef idx="2">
+            <a:schemeClr val="accent1">
+              <a:shade val="50000"/>
+            </a:schemeClr>
+          </a:lnRef>
+          <a:fillRef idx="1">
+            <a:schemeClr val="accent1"/>
+          </a:fillRef>
+          <a:effectRef idx="0">
+            <a:schemeClr val="accent1"/>
+          </a:effectRef>
+          <a:fontRef idx="minor">
+            <a:schemeClr val="lt1"/>
+          </a:fontRef>
+        </p:style>
+        <p:txBody>
+          <a:bodyPr rtlCol="0" anchor="ctr"/>
+          <a:lstStyle/>
+          <a:p>
+            <a:pPr algn="ctr"/>
+            <a:r>
+              <a:rPr lang="ru-RU" sz="2400" dirty="0" smtClean="0"/>
+              <a:t>Это начальная комбинация?</a:t>
+            </a:r>
+            <a:endParaRPr lang="ru-RU" sz="2400" dirty="0"/>
+          </a:p>
+        </p:txBody>
+      </p:sp>
+      <p:sp>
+        <p:nvSpPr>
+          <p:cNvPr id="37" name="Прямоугольник 36"/>
+          <p:cNvSpPr/>
+          <p:nvPr/>
+        </p:nvSpPr>
+        <p:spPr>
+          <a:xfrm>
+            <a:off x="6244966" y="4856728"/>
+            <a:ext cx="1874139" cy="1452592"/>
+          </a:xfrm>
+          <a:prstGeom prst="rect">
+            <a:avLst/>
+          </a:prstGeom>
+        </p:spPr>
+        <p:style>
+          <a:lnRef idx="2">
+            <a:schemeClr val="accent1">
+              <a:shade val="50000"/>
+            </a:schemeClr>
+          </a:lnRef>
+          <a:fillRef idx="1">
+            <a:schemeClr val="accent1"/>
+          </a:fillRef>
+          <a:effectRef idx="0">
+            <a:schemeClr val="accent1"/>
+          </a:effectRef>
+          <a:fontRef idx="minor">
+            <a:schemeClr val="lt1"/>
+          </a:fontRef>
+        </p:style>
+        <p:txBody>
+          <a:bodyPr rtlCol="0" anchor="ctr"/>
+          <a:lstStyle/>
+          <a:p>
+            <a:pPr algn="ctr"/>
+            <a:r>
+              <a:rPr lang="ru-RU" sz="2400" dirty="0" smtClean="0"/>
+              <a:t>Обработка переданного результата</a:t>
+            </a:r>
+            <a:endParaRPr lang="ru-RU" sz="2400" dirty="0"/>
+          </a:p>
+        </p:txBody>
+      </p:sp>
+      <p:sp>
+        <p:nvSpPr>
+          <p:cNvPr id="38" name="Прямоугольник 37"/>
+          <p:cNvSpPr/>
+          <p:nvPr/>
+        </p:nvSpPr>
+        <p:spPr>
+          <a:xfrm>
+            <a:off x="2917241" y="4858602"/>
+            <a:ext cx="1944215" cy="1450717"/>
+          </a:xfrm>
+          <a:prstGeom prst="rect">
+            <a:avLst/>
+          </a:prstGeom>
+        </p:spPr>
+        <p:style>
+          <a:lnRef idx="2">
+            <a:schemeClr val="accent1">
+              <a:shade val="50000"/>
+            </a:schemeClr>
+          </a:lnRef>
+          <a:fillRef idx="1">
+            <a:schemeClr val="accent1"/>
+          </a:fillRef>
+          <a:effectRef idx="0">
+            <a:schemeClr val="accent1"/>
+          </a:effectRef>
+          <a:fontRef idx="minor">
+            <a:schemeClr val="lt1"/>
+          </a:fontRef>
+        </p:style>
+        <p:txBody>
+          <a:bodyPr rtlCol="0" anchor="ctr"/>
+          <a:lstStyle/>
+          <a:p>
+            <a:pPr algn="ctr"/>
+            <a:r>
+              <a:rPr lang="ru-RU" sz="2400" dirty="0" smtClean="0"/>
+              <a:t>Создание новой задачи для клиента</a:t>
+            </a:r>
+            <a:endParaRPr lang="ru-RU" sz="2400" dirty="0"/>
+          </a:p>
+        </p:txBody>
+      </p:sp>
+      <p:sp>
+        <p:nvSpPr>
+          <p:cNvPr id="39" name="Прямоугольник 38"/>
+          <p:cNvSpPr/>
+          <p:nvPr/>
+        </p:nvSpPr>
+        <p:spPr>
+          <a:xfrm>
+            <a:off x="251520" y="4856728"/>
+            <a:ext cx="1944216" cy="1452592"/>
+          </a:xfrm>
+          <a:prstGeom prst="rect">
+            <a:avLst/>
+          </a:prstGeom>
+          <a:solidFill>
+            <a:srgbClr val="00B050"/>
+          </a:solidFill>
+        </p:spPr>
+        <p:style>
+          <a:lnRef idx="2">
+            <a:schemeClr val="accent1">
+              <a:shade val="50000"/>
+            </a:schemeClr>
+          </a:lnRef>
+          <a:fillRef idx="1">
+            <a:schemeClr val="accent1"/>
+          </a:fillRef>
+          <a:effectRef idx="0">
+            <a:schemeClr val="accent1"/>
+          </a:effectRef>
+          <a:fontRef idx="minor">
+            <a:schemeClr val="lt1"/>
+          </a:fontRef>
+        </p:style>
+        <p:txBody>
+          <a:bodyPr rtlCol="0" anchor="ctr"/>
+          <a:lstStyle/>
+          <a:p>
+            <a:pPr algn="ctr"/>
+            <a:r>
+              <a:rPr lang="ru-RU" sz="2400" dirty="0" smtClean="0"/>
+              <a:t>Передача задачи серверу-передатчику</a:t>
+            </a:r>
+            <a:endParaRPr lang="ru-RU" sz="2400" dirty="0"/>
+          </a:p>
+        </p:txBody>
+      </p:sp>
+      <p:sp>
+        <p:nvSpPr>
+          <p:cNvPr id="40" name="Прямоугольник 39"/>
+          <p:cNvSpPr/>
+          <p:nvPr/>
+        </p:nvSpPr>
+        <p:spPr>
+          <a:xfrm>
+            <a:off x="251520" y="2733784"/>
+            <a:ext cx="1944216" cy="1415296"/>
+          </a:xfrm>
+          <a:prstGeom prst="rect">
+            <a:avLst/>
+          </a:prstGeom>
+          <a:solidFill>
+            <a:srgbClr val="7030A0"/>
+          </a:solidFill>
+        </p:spPr>
+        <p:style>
+          <a:lnRef idx="2">
+            <a:schemeClr val="accent1">
+              <a:shade val="50000"/>
+            </a:schemeClr>
+          </a:lnRef>
+          <a:fillRef idx="1">
+            <a:schemeClr val="accent1"/>
+          </a:fillRef>
+          <a:effectRef idx="0">
+            <a:schemeClr val="accent1"/>
+          </a:effectRef>
+          <a:fontRef idx="minor">
+            <a:schemeClr val="lt1"/>
+          </a:fontRef>
+        </p:style>
+        <p:txBody>
+          <a:bodyPr rtlCol="0" anchor="ctr"/>
+          <a:lstStyle/>
+          <a:p>
+            <a:pPr algn="ctr"/>
+            <a:r>
+              <a:rPr lang="ru-RU" sz="2400" dirty="0" smtClean="0"/>
+              <a:t>Копирование базы данных в файл</a:t>
+            </a:r>
+            <a:endParaRPr lang="ru-RU" sz="2400" dirty="0"/>
+          </a:p>
+        </p:txBody>
+      </p:sp>
+      <p:cxnSp>
+        <p:nvCxnSpPr>
+          <p:cNvPr id="42" name="Прямая со стрелкой 41"/>
+          <p:cNvCxnSpPr>
+            <a:stCxn id="23" idx="3"/>
+            <a:endCxn id="37" idx="0"/>
+          </p:cNvCxnSpPr>
+          <p:nvPr/>
+        </p:nvCxnSpPr>
+        <p:spPr>
+          <a:xfrm flipH="1">
+            <a:off x="7182036" y="3165186"/>
+            <a:ext cx="1961964" cy="1691542"/>
+          </a:xfrm>
+          <a:prstGeom prst="straightConnector1">
+            <a:avLst/>
+          </a:prstGeom>
+          <a:ln w="76200">
+            <a:tailEnd type="triangle"/>
+          </a:ln>
+        </p:spPr>
+        <p:style>
+          <a:lnRef idx="1">
+            <a:schemeClr val="accent1"/>
+          </a:lnRef>
+          <a:fillRef idx="0">
+            <a:schemeClr val="accent1"/>
+          </a:fillRef>
+          <a:effectRef idx="0">
+            <a:schemeClr val="accent1"/>
+          </a:effectRef>
+          <a:fontRef idx="minor">
+            <a:schemeClr val="tx1"/>
+          </a:fontRef>
+        </p:style>
+      </p:cxnSp>
+      <p:cxnSp>
+        <p:nvCxnSpPr>
+          <p:cNvPr id="44" name="Прямая со стрелкой 43"/>
+          <p:cNvCxnSpPr>
+            <a:stCxn id="23" idx="2"/>
+            <a:endCxn id="38" idx="3"/>
+          </p:cNvCxnSpPr>
+          <p:nvPr/>
+        </p:nvCxnSpPr>
+        <p:spPr>
+          <a:xfrm flipH="1">
+            <a:off x="4861456" y="4053500"/>
+            <a:ext cx="2320580" cy="1530461"/>
+          </a:xfrm>
+          <a:prstGeom prst="straightConnector1">
+            <a:avLst/>
+          </a:prstGeom>
+          <a:ln w="76200">
+            <a:tailEnd type="triangle"/>
+          </a:ln>
+        </p:spPr>
+        <p:style>
+          <a:lnRef idx="1">
+            <a:schemeClr val="accent1"/>
+          </a:lnRef>
+          <a:fillRef idx="0">
+            <a:schemeClr val="accent1"/>
+          </a:fillRef>
+          <a:effectRef idx="0">
+            <a:schemeClr val="accent1"/>
+          </a:effectRef>
+          <a:fontRef idx="minor">
+            <a:schemeClr val="tx1"/>
+          </a:fontRef>
+        </p:style>
+      </p:cxnSp>
+      <p:cxnSp>
+        <p:nvCxnSpPr>
+          <p:cNvPr id="46" name="Прямая со стрелкой 45"/>
+          <p:cNvCxnSpPr>
+            <a:stCxn id="37" idx="1"/>
+            <a:endCxn id="38" idx="3"/>
+          </p:cNvCxnSpPr>
+          <p:nvPr/>
+        </p:nvCxnSpPr>
+        <p:spPr>
+          <a:xfrm flipH="1">
+            <a:off x="4861456" y="5583024"/>
+            <a:ext cx="1383510" cy="937"/>
+          </a:xfrm>
+          <a:prstGeom prst="straightConnector1">
+            <a:avLst/>
+          </a:prstGeom>
+          <a:ln w="76200">
+            <a:tailEnd type="triangle"/>
+          </a:ln>
+        </p:spPr>
+        <p:style>
+          <a:lnRef idx="1">
+            <a:schemeClr val="accent1"/>
+          </a:lnRef>
+          <a:fillRef idx="0">
+            <a:schemeClr val="accent1"/>
+          </a:fillRef>
+          <a:effectRef idx="0">
+            <a:schemeClr val="accent1"/>
+          </a:effectRef>
+          <a:fontRef idx="minor">
+            <a:schemeClr val="tx1"/>
+          </a:fontRef>
+        </p:style>
+      </p:cxnSp>
+      <p:cxnSp>
+        <p:nvCxnSpPr>
+          <p:cNvPr id="48" name="Прямая со стрелкой 47"/>
+          <p:cNvCxnSpPr>
+            <a:stCxn id="38" idx="1"/>
+            <a:endCxn id="39" idx="3"/>
+          </p:cNvCxnSpPr>
+          <p:nvPr/>
+        </p:nvCxnSpPr>
+        <p:spPr>
+          <a:xfrm flipH="1" flipV="1">
+            <a:off x="2195736" y="5583024"/>
+            <a:ext cx="721505" cy="937"/>
+          </a:xfrm>
+          <a:prstGeom prst="straightConnector1">
+            <a:avLst/>
+          </a:prstGeom>
+          <a:ln w="76200">
+            <a:tailEnd type="triangle"/>
+          </a:ln>
+        </p:spPr>
+        <p:style>
+          <a:lnRef idx="1">
+            <a:schemeClr val="accent1"/>
+          </a:lnRef>
+          <a:fillRef idx="0">
+            <a:schemeClr val="accent1"/>
+          </a:fillRef>
+          <a:effectRef idx="0">
+            <a:schemeClr val="accent1"/>
+          </a:effectRef>
+          <a:fontRef idx="minor">
+            <a:schemeClr val="tx1"/>
+          </a:fontRef>
+        </p:style>
+      </p:cxnSp>
+      <p:cxnSp>
+        <p:nvCxnSpPr>
+          <p:cNvPr id="50" name="Прямая со стрелкой 49"/>
+          <p:cNvCxnSpPr>
+            <a:stCxn id="39" idx="0"/>
+            <a:endCxn id="40" idx="2"/>
+          </p:cNvCxnSpPr>
+          <p:nvPr/>
+        </p:nvCxnSpPr>
+        <p:spPr>
+          <a:xfrm flipV="1">
+            <a:off x="1223628" y="4149080"/>
+            <a:ext cx="0" cy="707648"/>
+          </a:xfrm>
+          <a:prstGeom prst="straightConnector1">
+            <a:avLst/>
+          </a:prstGeom>
+          <a:ln w="76200">
+            <a:tailEnd type="triangle"/>
+          </a:ln>
+        </p:spPr>
+        <p:style>
+          <a:lnRef idx="1">
+            <a:schemeClr val="accent1"/>
+          </a:lnRef>
+          <a:fillRef idx="0">
+            <a:schemeClr val="accent1"/>
+          </a:fillRef>
+          <a:effectRef idx="0">
+            <a:schemeClr val="accent1"/>
+          </a:effectRef>
+          <a:fontRef idx="minor">
+            <a:schemeClr val="tx1"/>
+          </a:fontRef>
+        </p:style>
+      </p:cxnSp>
+      <p:cxnSp>
+        <p:nvCxnSpPr>
+          <p:cNvPr id="52" name="Прямая со стрелкой 51"/>
+          <p:cNvCxnSpPr>
+            <a:stCxn id="40" idx="3"/>
+            <a:endCxn id="4" idx="1"/>
+          </p:cNvCxnSpPr>
+          <p:nvPr/>
+        </p:nvCxnSpPr>
+        <p:spPr>
+          <a:xfrm>
+            <a:off x="2195736" y="3441432"/>
+            <a:ext cx="721505" cy="0"/>
+          </a:xfrm>
+          <a:prstGeom prst="straightConnector1">
+            <a:avLst/>
+          </a:prstGeom>
+          <a:ln w="76200">
+            <a:tailEnd type="triangle"/>
+          </a:ln>
+        </p:spPr>
+        <p:style>
+          <a:lnRef idx="1">
+            <a:schemeClr val="accent1"/>
+          </a:lnRef>
+          <a:fillRef idx="0">
+            <a:schemeClr val="accent1"/>
+          </a:fillRef>
+          <a:effectRef idx="0">
+            <a:schemeClr val="accent1"/>
+          </a:effectRef>
+          <a:fontRef idx="minor">
+            <a:schemeClr val="tx1"/>
+          </a:fontRef>
+        </p:style>
+      </p:cxnSp>
+      <p:sp>
+        <p:nvSpPr>
+          <p:cNvPr id="36" name="TextBox 35"/>
+          <p:cNvSpPr txBox="1"/>
+          <p:nvPr/>
+        </p:nvSpPr>
+        <p:spPr>
+          <a:xfrm>
+            <a:off x="5852670" y="3974412"/>
+            <a:ext cx="784592" cy="646331"/>
+          </a:xfrm>
+          <a:prstGeom prst="rect">
+            <a:avLst/>
+          </a:prstGeom>
+          <a:noFill/>
+        </p:spPr>
+        <p:txBody>
+          <a:bodyPr wrap="square" rtlCol="0">
+            <a:spAutoFit/>
+          </a:bodyPr>
+          <a:lstStyle/>
+          <a:p>
+            <a:r>
+              <a:rPr lang="ru-RU" sz="3600" dirty="0" smtClean="0"/>
+              <a:t>ДА</a:t>
+            </a:r>
+            <a:endParaRPr lang="ru-RU" sz="3600" dirty="0"/>
+          </a:p>
+        </p:txBody>
+      </p:sp>
+      <p:sp>
+        <p:nvSpPr>
+          <p:cNvPr id="35" name="TextBox 34"/>
+          <p:cNvSpPr txBox="1"/>
+          <p:nvPr/>
+        </p:nvSpPr>
+        <p:spPr>
+          <a:xfrm>
+            <a:off x="7884368" y="4149080"/>
+            <a:ext cx="976454" cy="646331"/>
+          </a:xfrm>
+          <a:prstGeom prst="rect">
+            <a:avLst/>
+          </a:prstGeom>
+          <a:noFill/>
+        </p:spPr>
+        <p:txBody>
+          <a:bodyPr wrap="square" rtlCol="0">
+            <a:spAutoFit/>
+          </a:bodyPr>
+          <a:lstStyle/>
+          <a:p>
+            <a:r>
+              <a:rPr lang="ru-RU" sz="3600" dirty="0" smtClean="0"/>
+              <a:t>НЕТ</a:t>
+            </a:r>
+            <a:endParaRPr lang="ru-RU" sz="3600" dirty="0"/>
+          </a:p>
+        </p:txBody>
+      </p:sp>
+    </p:spTree>
+    <p:extLst>
+      <p:ext uri="{BB962C8B-B14F-4D97-AF65-F5344CB8AC3E}">
+        <p14:creationId xmlns:p14="http://schemas.microsoft.com/office/powerpoint/2010/main" xmlns="" val="3861292768"/>
+      </p:ext>
+    </p:extLst>
+  </p:cSld>
+  <p:clrMapOvr>
+    <a:masterClrMapping/>
+  </p:clrMapOvr>
+  <p:timing>
+    <p:tnLst>
+      <p:par>
+        <p:cTn id="1" dur="indefinite" restart="never" nodeType="tmRoot"/>
+      </p:par>
+    </p:tnLst>
+  </p:timing>
+</p:sld>
+</file>
+
+<file path=ppt/slides/slide8.xml><?xml version="1.0" encoding="utf-8"?>
+<p:sld xmlns:a="http://schemas.openxmlformats.org/drawingml/2006/main" xmlns:r="http://schemas.openxmlformats.org/officeDocument/2006/relationships" xmlns:p="http://schemas.openxmlformats.org/presentationml/2006/main">
+  <p:cSld>
+    <p:spTree>
+      <p:nvGrpSpPr>
+        <p:cNvPr id="1" name=""/>
+        <p:cNvGrpSpPr/>
+        <p:nvPr/>
+      </p:nvGrpSpPr>
+      <p:grpSpPr>
+        <a:xfrm>
+          <a:off x="0" y="0"/>
+          <a:ext cx="0" cy="0"/>
+          <a:chOff x="0" y="0"/>
+          <a:chExt cx="0" cy="0"/>
+        </a:xfrm>
+      </p:grpSpPr>
+      <p:sp>
+        <p:nvSpPr>
+          <p:cNvPr id="2" name="Заголовок 1"/>
+          <p:cNvSpPr>
+            <a:spLocks noGrp="1"/>
+          </p:cNvSpPr>
+          <p:nvPr>
+            <p:ph type="title"/>
           </p:nvPr>
         </p:nvSpPr>
         <p:spPr/>
         <p:txBody>
-          <a:bodyPr/>
-          <a:lstStyle/>
-          <a:p>
-            <a:r>
-              <a:rPr lang="ru-RU" u="sng" dirty="0" smtClean="0">
-                <a:hlinkClick r:id="rId2"/>
-              </a:rPr>
-              <a:t>Сайт, по которому я изучал </a:t>
-            </a:r>
-            <a:r>
-              <a:rPr lang="en-US" u="sng" dirty="0" smtClean="0">
-                <a:hlinkClick r:id="rId2"/>
-              </a:rPr>
-              <a:t>C</a:t>
-            </a:r>
-            <a:r>
-              <a:rPr lang="ru-RU" u="sng" dirty="0" smtClean="0">
-                <a:hlinkClick r:id="rId2"/>
-              </a:rPr>
-              <a:t>#</a:t>
-            </a:r>
-            <a:endParaRPr lang="ru-RU" dirty="0" smtClean="0"/>
-          </a:p>
-          <a:p>
-            <a:r>
-              <a:rPr lang="ru-RU" u="sng" dirty="0" smtClean="0">
-                <a:hlinkClick r:id="rId3"/>
-              </a:rPr>
-              <a:t>Документация по </a:t>
-            </a:r>
-            <a:r>
-              <a:rPr lang="en-US" u="sng" dirty="0" smtClean="0">
-                <a:hlinkClick r:id="rId3"/>
-              </a:rPr>
-              <a:t>C</a:t>
-            </a:r>
-            <a:r>
-              <a:rPr lang="ru-RU" u="sng" dirty="0" smtClean="0">
-                <a:hlinkClick r:id="rId3"/>
-              </a:rPr>
-              <a:t># и .</a:t>
-            </a:r>
-            <a:r>
-              <a:rPr lang="en-US" u="sng" dirty="0" smtClean="0">
-                <a:hlinkClick r:id="rId3"/>
-              </a:rPr>
-              <a:t>NET</a:t>
-            </a:r>
-            <a:endParaRPr lang="ru-RU" dirty="0" smtClean="0"/>
-          </a:p>
+          <a:bodyPr>
+            <a:normAutofit fontScale="90000"/>
+          </a:bodyPr>
+          <a:lstStyle/>
           <a:p>
             <a:r>
               <a:rPr lang="ru-RU" dirty="0" smtClean="0"/>
-              <a:t>Форумы – </a:t>
-            </a:r>
-            <a:r>
-              <a:rPr lang="en-US" u="sng" dirty="0" err="1" smtClean="0">
-                <a:hlinkClick r:id="rId4"/>
-              </a:rPr>
-              <a:t>StackOverflow</a:t>
-            </a:r>
-            <a:r>
-              <a:rPr lang="ru-RU" dirty="0" smtClean="0"/>
-              <a:t> и </a:t>
-            </a:r>
-            <a:r>
-              <a:rPr lang="en-US" u="sng" dirty="0" err="1" smtClean="0">
-                <a:hlinkClick r:id="rId5"/>
-              </a:rPr>
-              <a:t>Cyberforum</a:t>
-            </a:r>
-            <a:endParaRPr lang="ru-RU" dirty="0" smtClean="0"/>
-          </a:p>
-          <a:p>
-            <a:r>
-              <a:rPr lang="ru-RU" dirty="0" smtClean="0"/>
-              <a:t>Язык программирования C# 7 и платформы .NET и .NET </a:t>
-            </a:r>
-            <a:r>
-              <a:rPr lang="ru-RU" dirty="0" err="1" smtClean="0"/>
-              <a:t>Core</a:t>
-            </a:r>
-            <a:r>
-              <a:rPr lang="ru-RU" dirty="0" smtClean="0"/>
-              <a:t> - </a:t>
-            </a:r>
-            <a:r>
-              <a:rPr lang="ru-RU" dirty="0" err="1" smtClean="0"/>
-              <a:t>Джепикс</a:t>
-            </a:r>
-            <a:r>
-              <a:rPr lang="ru-RU" dirty="0" smtClean="0"/>
-              <a:t> Филипп, </a:t>
-            </a:r>
-            <a:r>
-              <a:rPr lang="ru-RU" dirty="0" err="1" smtClean="0"/>
-              <a:t>Троелсен</a:t>
-            </a:r>
-            <a:r>
-              <a:rPr lang="ru-RU" dirty="0" smtClean="0"/>
-              <a:t> Эндрю</a:t>
+              <a:t>Принцип работы клиента-передатчика</a:t>
             </a:r>
             <a:endParaRPr lang="ru-RU" dirty="0"/>
           </a:p>
         </p:txBody>
       </p:sp>
+      <p:sp>
+        <p:nvSpPr>
+          <p:cNvPr id="3" name="Прямоугольник 2"/>
+          <p:cNvSpPr/>
+          <p:nvPr/>
+        </p:nvSpPr>
+        <p:spPr>
+          <a:xfrm>
+            <a:off x="3571868" y="3018656"/>
+            <a:ext cx="1643074" cy="1130424"/>
+          </a:xfrm>
+          <a:prstGeom prst="rect">
+            <a:avLst/>
+          </a:prstGeom>
+          <a:solidFill>
+            <a:srgbClr val="00B0F0"/>
+          </a:solidFill>
+        </p:spPr>
+        <p:style>
+          <a:lnRef idx="2">
+            <a:schemeClr val="accent1">
+              <a:shade val="50000"/>
+            </a:schemeClr>
+          </a:lnRef>
+          <a:fillRef idx="1">
+            <a:schemeClr val="accent1"/>
+          </a:fillRef>
+          <a:effectRef idx="0">
+            <a:schemeClr val="accent1"/>
+          </a:effectRef>
+          <a:fontRef idx="minor">
+            <a:schemeClr val="lt1"/>
+          </a:fontRef>
+        </p:style>
+        <p:txBody>
+          <a:bodyPr rtlCol="0" anchor="ctr"/>
+          <a:lstStyle/>
+          <a:p>
+            <a:pPr algn="ctr"/>
+            <a:r>
+              <a:rPr lang="ru-RU" sz="2400" dirty="0" smtClean="0"/>
+              <a:t>Получение новой задачи</a:t>
+            </a:r>
+            <a:endParaRPr lang="ru-RU" sz="2400" dirty="0"/>
+          </a:p>
+        </p:txBody>
+      </p:sp>
+      <p:sp>
+        <p:nvSpPr>
+          <p:cNvPr id="4" name="Прямоугольник 3"/>
+          <p:cNvSpPr/>
+          <p:nvPr/>
+        </p:nvSpPr>
+        <p:spPr>
+          <a:xfrm>
+            <a:off x="6735090" y="3018654"/>
+            <a:ext cx="2200328" cy="1702663"/>
+          </a:xfrm>
+          <a:prstGeom prst="rect">
+            <a:avLst/>
+          </a:prstGeom>
+          <a:solidFill>
+            <a:srgbClr val="00B050"/>
+          </a:solidFill>
+        </p:spPr>
+        <p:style>
+          <a:lnRef idx="2">
+            <a:schemeClr val="accent1">
+              <a:shade val="50000"/>
+            </a:schemeClr>
+          </a:lnRef>
+          <a:fillRef idx="1">
+            <a:schemeClr val="accent1"/>
+          </a:fillRef>
+          <a:effectRef idx="0">
+            <a:schemeClr val="accent1"/>
+          </a:effectRef>
+          <a:fontRef idx="minor">
+            <a:schemeClr val="lt1"/>
+          </a:fontRef>
+        </p:style>
+        <p:txBody>
+          <a:bodyPr rtlCol="0" anchor="ctr"/>
+          <a:lstStyle/>
+          <a:p>
+            <a:pPr algn="ctr"/>
+            <a:r>
+              <a:rPr lang="ru-RU" sz="2400" dirty="0" smtClean="0"/>
+              <a:t>Передача данных программе-обработчику</a:t>
+            </a:r>
+            <a:endParaRPr lang="ru-RU" sz="2400" dirty="0"/>
+          </a:p>
+        </p:txBody>
+      </p:sp>
+      <p:sp>
+        <p:nvSpPr>
+          <p:cNvPr id="5" name="Прямоугольник 4"/>
+          <p:cNvSpPr/>
+          <p:nvPr/>
+        </p:nvSpPr>
+        <p:spPr>
+          <a:xfrm>
+            <a:off x="3225887" y="5184886"/>
+            <a:ext cx="2304256" cy="1484474"/>
+          </a:xfrm>
+          <a:prstGeom prst="rect">
+            <a:avLst/>
+          </a:prstGeom>
+          <a:solidFill>
+            <a:srgbClr val="00B050"/>
+          </a:solidFill>
+        </p:spPr>
+        <p:style>
+          <a:lnRef idx="2">
+            <a:schemeClr val="accent1">
+              <a:shade val="50000"/>
+            </a:schemeClr>
+          </a:lnRef>
+          <a:fillRef idx="1">
+            <a:schemeClr val="accent1"/>
+          </a:fillRef>
+          <a:effectRef idx="0">
+            <a:schemeClr val="accent1"/>
+          </a:effectRef>
+          <a:fontRef idx="minor">
+            <a:schemeClr val="lt1"/>
+          </a:fontRef>
+        </p:style>
+        <p:txBody>
+          <a:bodyPr rtlCol="0" anchor="ctr"/>
+          <a:lstStyle/>
+          <a:p>
+            <a:pPr algn="ctr"/>
+            <a:r>
+              <a:rPr lang="ru-RU" sz="2400" dirty="0" smtClean="0"/>
+              <a:t>Ожидание ответа программы-обработчика</a:t>
+            </a:r>
+            <a:endParaRPr lang="ru-RU" sz="2400" dirty="0"/>
+          </a:p>
+        </p:txBody>
+      </p:sp>
+      <p:sp>
+        <p:nvSpPr>
+          <p:cNvPr id="6" name="Прямоугольник 5"/>
+          <p:cNvSpPr/>
+          <p:nvPr/>
+        </p:nvSpPr>
+        <p:spPr>
+          <a:xfrm>
+            <a:off x="192622" y="3018655"/>
+            <a:ext cx="1859098" cy="1702663"/>
+          </a:xfrm>
+          <a:prstGeom prst="rect">
+            <a:avLst/>
+          </a:prstGeom>
+          <a:solidFill>
+            <a:srgbClr val="00B0F0"/>
+          </a:solidFill>
+        </p:spPr>
+        <p:style>
+          <a:lnRef idx="2">
+            <a:schemeClr val="accent1">
+              <a:shade val="50000"/>
+            </a:schemeClr>
+          </a:lnRef>
+          <a:fillRef idx="1">
+            <a:schemeClr val="accent1"/>
+          </a:fillRef>
+          <a:effectRef idx="0">
+            <a:schemeClr val="accent1"/>
+          </a:effectRef>
+          <a:fontRef idx="minor">
+            <a:schemeClr val="lt1"/>
+          </a:fontRef>
+        </p:style>
+        <p:txBody>
+          <a:bodyPr rtlCol="0" anchor="ctr"/>
+          <a:lstStyle/>
+          <a:p>
+            <a:pPr algn="ctr"/>
+            <a:r>
+              <a:rPr lang="ru-RU" sz="2400" dirty="0" smtClean="0"/>
+              <a:t>Пересылка </a:t>
+            </a:r>
+            <a:r>
+              <a:rPr lang="ru-RU" sz="2400" dirty="0"/>
+              <a:t>р</a:t>
+            </a:r>
+            <a:r>
+              <a:rPr lang="ru-RU" sz="2400" dirty="0" smtClean="0"/>
+              <a:t>езультатов</a:t>
+            </a:r>
+            <a:endParaRPr lang="ru-RU" sz="2400" dirty="0"/>
+          </a:p>
+        </p:txBody>
+      </p:sp>
+      <p:cxnSp>
+        <p:nvCxnSpPr>
+          <p:cNvPr id="7" name="Прямая со стрелкой 6"/>
+          <p:cNvCxnSpPr>
+            <a:stCxn id="3" idx="3"/>
+            <a:endCxn id="4" idx="1"/>
+          </p:cNvCxnSpPr>
+          <p:nvPr/>
+        </p:nvCxnSpPr>
+        <p:spPr>
+          <a:xfrm>
+            <a:off x="5214942" y="3583868"/>
+            <a:ext cx="1520148" cy="286118"/>
+          </a:xfrm>
+          <a:prstGeom prst="straightConnector1">
+            <a:avLst/>
+          </a:prstGeom>
+          <a:ln w="76200">
+            <a:tailEnd type="triangle"/>
+          </a:ln>
+        </p:spPr>
+        <p:style>
+          <a:lnRef idx="1">
+            <a:schemeClr val="accent1"/>
+          </a:lnRef>
+          <a:fillRef idx="0">
+            <a:schemeClr val="accent1"/>
+          </a:fillRef>
+          <a:effectRef idx="0">
+            <a:schemeClr val="accent1"/>
+          </a:effectRef>
+          <a:fontRef idx="minor">
+            <a:schemeClr val="tx1"/>
+          </a:fontRef>
+        </p:style>
+      </p:cxnSp>
+      <p:cxnSp>
+        <p:nvCxnSpPr>
+          <p:cNvPr id="8" name="Прямая со стрелкой 7"/>
+          <p:cNvCxnSpPr>
+            <a:stCxn id="4" idx="2"/>
+            <a:endCxn id="5" idx="3"/>
+          </p:cNvCxnSpPr>
+          <p:nvPr/>
+        </p:nvCxnSpPr>
+        <p:spPr>
+          <a:xfrm flipH="1">
+            <a:off x="5530143" y="4721317"/>
+            <a:ext cx="2305111" cy="1205806"/>
+          </a:xfrm>
+          <a:prstGeom prst="straightConnector1">
+            <a:avLst/>
+          </a:prstGeom>
+          <a:ln w="76200">
+            <a:tailEnd type="triangle"/>
+          </a:ln>
+        </p:spPr>
+        <p:style>
+          <a:lnRef idx="1">
+            <a:schemeClr val="accent1"/>
+          </a:lnRef>
+          <a:fillRef idx="0">
+            <a:schemeClr val="accent1"/>
+          </a:fillRef>
+          <a:effectRef idx="0">
+            <a:schemeClr val="accent1"/>
+          </a:effectRef>
+          <a:fontRef idx="minor">
+            <a:schemeClr val="tx1"/>
+          </a:fontRef>
+        </p:style>
+      </p:cxnSp>
+      <p:cxnSp>
+        <p:nvCxnSpPr>
+          <p:cNvPr id="9" name="Прямая со стрелкой 8"/>
+          <p:cNvCxnSpPr>
+            <a:stCxn id="5" idx="1"/>
+            <a:endCxn id="6" idx="2"/>
+          </p:cNvCxnSpPr>
+          <p:nvPr/>
+        </p:nvCxnSpPr>
+        <p:spPr>
+          <a:xfrm flipH="1" flipV="1">
+            <a:off x="1122171" y="4721318"/>
+            <a:ext cx="2103716" cy="1205805"/>
+          </a:xfrm>
+          <a:prstGeom prst="straightConnector1">
+            <a:avLst/>
+          </a:prstGeom>
+          <a:ln w="76200">
+            <a:tailEnd type="triangle"/>
+          </a:ln>
+        </p:spPr>
+        <p:style>
+          <a:lnRef idx="1">
+            <a:schemeClr val="accent1"/>
+          </a:lnRef>
+          <a:fillRef idx="0">
+            <a:schemeClr val="accent1"/>
+          </a:fillRef>
+          <a:effectRef idx="0">
+            <a:schemeClr val="accent1"/>
+          </a:effectRef>
+          <a:fontRef idx="minor">
+            <a:schemeClr val="tx1"/>
+          </a:fontRef>
+        </p:style>
+      </p:cxnSp>
+      <p:sp>
+        <p:nvSpPr>
+          <p:cNvPr id="10" name="Прямоугольник 9"/>
+          <p:cNvSpPr/>
+          <p:nvPr/>
+        </p:nvSpPr>
+        <p:spPr>
+          <a:xfrm>
+            <a:off x="4788116" y="1587855"/>
+            <a:ext cx="1944216" cy="1067343"/>
+          </a:xfrm>
+          <a:prstGeom prst="rect">
+            <a:avLst/>
+          </a:prstGeom>
+          <a:solidFill>
+            <a:srgbClr val="00B0F0"/>
+          </a:solidFill>
+        </p:spPr>
+        <p:style>
+          <a:lnRef idx="2">
+            <a:schemeClr val="accent1">
+              <a:shade val="50000"/>
+            </a:schemeClr>
+          </a:lnRef>
+          <a:fillRef idx="1">
+            <a:schemeClr val="accent1"/>
+          </a:fillRef>
+          <a:effectRef idx="0">
+            <a:schemeClr val="accent1"/>
+          </a:effectRef>
+          <a:fontRef idx="minor">
+            <a:schemeClr val="lt1"/>
+          </a:fontRef>
+        </p:style>
+        <p:txBody>
+          <a:bodyPr rtlCol="0" anchor="ctr"/>
+          <a:lstStyle/>
+          <a:p>
+            <a:pPr algn="ctr"/>
+            <a:r>
+              <a:rPr lang="ru-RU" sz="2400" dirty="0" smtClean="0"/>
+              <a:t>Передача начальной комбинации</a:t>
+            </a:r>
+            <a:endParaRPr lang="ru-RU" sz="2400" dirty="0"/>
+          </a:p>
+        </p:txBody>
+      </p:sp>
+      <p:cxnSp>
+        <p:nvCxnSpPr>
+          <p:cNvPr id="11" name="Прямая со стрелкой 10"/>
+          <p:cNvCxnSpPr>
+            <a:stCxn id="10" idx="2"/>
+            <a:endCxn id="3" idx="0"/>
+          </p:cNvCxnSpPr>
+          <p:nvPr/>
+        </p:nvCxnSpPr>
+        <p:spPr>
+          <a:xfrm flipH="1">
+            <a:off x="4393405" y="2655198"/>
+            <a:ext cx="1366819" cy="363458"/>
+          </a:xfrm>
+          <a:prstGeom prst="straightConnector1">
+            <a:avLst/>
+          </a:prstGeom>
+          <a:ln w="76200">
+            <a:tailEnd type="triangle"/>
+          </a:ln>
+        </p:spPr>
+        <p:style>
+          <a:lnRef idx="1">
+            <a:schemeClr val="accent1"/>
+          </a:lnRef>
+          <a:fillRef idx="0">
+            <a:schemeClr val="accent1"/>
+          </a:fillRef>
+          <a:effectRef idx="0">
+            <a:schemeClr val="accent1"/>
+          </a:effectRef>
+          <a:fontRef idx="minor">
+            <a:schemeClr val="tx1"/>
+          </a:fontRef>
+        </p:style>
+      </p:cxnSp>
+      <p:cxnSp>
+        <p:nvCxnSpPr>
+          <p:cNvPr id="12" name="Прямая со стрелкой 11"/>
+          <p:cNvCxnSpPr>
+            <a:stCxn id="6" idx="3"/>
+            <a:endCxn id="3" idx="1"/>
+          </p:cNvCxnSpPr>
+          <p:nvPr/>
+        </p:nvCxnSpPr>
+        <p:spPr>
+          <a:xfrm flipV="1">
+            <a:off x="2051720" y="3583868"/>
+            <a:ext cx="1520148" cy="286119"/>
+          </a:xfrm>
+          <a:prstGeom prst="straightConnector1">
+            <a:avLst/>
+          </a:prstGeom>
+          <a:ln w="76200">
+            <a:tailEnd type="triangle"/>
+          </a:ln>
+        </p:spPr>
+        <p:style>
+          <a:lnRef idx="1">
+            <a:schemeClr val="accent1"/>
+          </a:lnRef>
+          <a:fillRef idx="0">
+            <a:schemeClr val="accent1"/>
+          </a:fillRef>
+          <a:effectRef idx="0">
+            <a:schemeClr val="accent1"/>
+          </a:effectRef>
+          <a:fontRef idx="minor">
+            <a:schemeClr val="tx1"/>
+          </a:fontRef>
+        </p:style>
+      </p:cxnSp>
+      <p:sp>
+        <p:nvSpPr>
+          <p:cNvPr id="14" name="Прямоугольник 13"/>
+          <p:cNvSpPr/>
+          <p:nvPr/>
+        </p:nvSpPr>
+        <p:spPr>
+          <a:xfrm>
+            <a:off x="2051720" y="1587855"/>
+            <a:ext cx="2004824" cy="1067343"/>
+          </a:xfrm>
+          <a:prstGeom prst="rect">
+            <a:avLst/>
+          </a:prstGeom>
+        </p:spPr>
+        <p:style>
+          <a:lnRef idx="2">
+            <a:schemeClr val="accent1">
+              <a:shade val="50000"/>
+            </a:schemeClr>
+          </a:lnRef>
+          <a:fillRef idx="1">
+            <a:schemeClr val="accent1"/>
+          </a:fillRef>
+          <a:effectRef idx="0">
+            <a:schemeClr val="accent1"/>
+          </a:effectRef>
+          <a:fontRef idx="minor">
+            <a:schemeClr val="lt1"/>
+          </a:fontRef>
+        </p:style>
+        <p:txBody>
+          <a:bodyPr rtlCol="0" anchor="ctr"/>
+          <a:lstStyle/>
+          <a:p>
+            <a:pPr algn="ctr"/>
+            <a:r>
+              <a:rPr lang="ru-RU" sz="2400" dirty="0" smtClean="0"/>
+              <a:t>Определение </a:t>
+            </a:r>
+            <a:r>
+              <a:rPr lang="en-US" sz="2400" dirty="0" smtClean="0"/>
+              <a:t>IP </a:t>
+            </a:r>
+            <a:r>
+              <a:rPr lang="ru-RU" sz="2400" dirty="0" smtClean="0"/>
+              <a:t>сервера</a:t>
+            </a:r>
+            <a:endParaRPr lang="ru-RU" sz="2400" dirty="0"/>
+          </a:p>
+        </p:txBody>
+      </p:sp>
+      <p:cxnSp>
+        <p:nvCxnSpPr>
+          <p:cNvPr id="18" name="Прямая со стрелкой 17"/>
+          <p:cNvCxnSpPr>
+            <a:stCxn id="14" idx="3"/>
+            <a:endCxn id="10" idx="1"/>
+          </p:cNvCxnSpPr>
+          <p:nvPr/>
+        </p:nvCxnSpPr>
+        <p:spPr>
+          <a:xfrm>
+            <a:off x="4056544" y="2121527"/>
+            <a:ext cx="731572" cy="0"/>
+          </a:xfrm>
+          <a:prstGeom prst="straightConnector1">
+            <a:avLst/>
+          </a:prstGeom>
+          <a:ln w="76200">
+            <a:tailEnd type="triangle"/>
+          </a:ln>
+        </p:spPr>
+        <p:style>
+          <a:lnRef idx="1">
+            <a:schemeClr val="accent1"/>
+          </a:lnRef>
+          <a:fillRef idx="0">
+            <a:schemeClr val="accent1"/>
+          </a:fillRef>
+          <a:effectRef idx="0">
+            <a:schemeClr val="accent1"/>
+          </a:effectRef>
+          <a:fontRef idx="minor">
+            <a:schemeClr val="tx1"/>
+          </a:fontRef>
+        </p:style>
+      </p:cxnSp>
     </p:spTree>
   </p:cSld>
   <p:clrMapOvr>
     <a:masterClrMapping/>
   </p:clrMapOvr>
+  <p:timing>
+    <p:tnLst>
+      <p:par>
+        <p:cTn id="1" dur="indefinite" restart="never" nodeType="tmRoot"/>
+      </p:par>
+    </p:tnLst>
+  </p:timing>
+</p:sld>
+</file>
+
+<file path=ppt/slides/slide9.xml><?xml version="1.0" encoding="utf-8"?>
+<p:sld xmlns:a="http://schemas.openxmlformats.org/drawingml/2006/main" xmlns:r="http://schemas.openxmlformats.org/officeDocument/2006/relationships" xmlns:p="http://schemas.openxmlformats.org/presentationml/2006/main">
+  <p:cSld>
+    <p:spTree>
+      <p:nvGrpSpPr>
+        <p:cNvPr id="1" name=""/>
+        <p:cNvGrpSpPr/>
+        <p:nvPr/>
+      </p:nvGrpSpPr>
+      <p:grpSpPr>
+        <a:xfrm>
+          <a:off x="0" y="0"/>
+          <a:ext cx="0" cy="0"/>
+          <a:chOff x="0" y="0"/>
+          <a:chExt cx="0" cy="0"/>
+        </a:xfrm>
+      </p:grpSpPr>
+      <p:sp>
+        <p:nvSpPr>
+          <p:cNvPr id="2" name="Заголовок 1"/>
+          <p:cNvSpPr>
+            <a:spLocks noGrp="1"/>
+          </p:cNvSpPr>
+          <p:nvPr>
+            <p:ph type="title"/>
+          </p:nvPr>
+        </p:nvSpPr>
+        <p:spPr/>
+        <p:txBody>
+          <a:bodyPr>
+            <a:normAutofit fontScale="90000"/>
+          </a:bodyPr>
+          <a:lstStyle/>
+          <a:p>
+            <a:r>
+              <a:rPr lang="ru-RU" dirty="0" smtClean="0"/>
+              <a:t>Принцип работы клиента-обработчика</a:t>
+            </a:r>
+            <a:endParaRPr lang="ru-RU" dirty="0"/>
+          </a:p>
+        </p:txBody>
+      </p:sp>
+      <p:sp>
+        <p:nvSpPr>
+          <p:cNvPr id="50" name="Прямоугольник 49"/>
+          <p:cNvSpPr/>
+          <p:nvPr/>
+        </p:nvSpPr>
+        <p:spPr>
+          <a:xfrm>
+            <a:off x="2987824" y="1501332"/>
+            <a:ext cx="2160240" cy="1385001"/>
+          </a:xfrm>
+          <a:prstGeom prst="rect">
+            <a:avLst/>
+          </a:prstGeom>
+          <a:solidFill>
+            <a:srgbClr val="00B050"/>
+          </a:solidFill>
+        </p:spPr>
+        <p:style>
+          <a:lnRef idx="2">
+            <a:schemeClr val="accent1">
+              <a:shade val="50000"/>
+            </a:schemeClr>
+          </a:lnRef>
+          <a:fillRef idx="1">
+            <a:schemeClr val="accent1"/>
+          </a:fillRef>
+          <a:effectRef idx="0">
+            <a:schemeClr val="accent1"/>
+          </a:effectRef>
+          <a:fontRef idx="minor">
+            <a:schemeClr val="lt1"/>
+          </a:fontRef>
+        </p:style>
+        <p:txBody>
+          <a:bodyPr rtlCol="0" anchor="ctr"/>
+          <a:lstStyle/>
+          <a:p>
+            <a:pPr algn="ctr"/>
+            <a:r>
+              <a:rPr lang="ru-RU" sz="2400" dirty="0" smtClean="0"/>
+              <a:t>Получение данных от клиента-передатчика</a:t>
+            </a:r>
+            <a:endParaRPr lang="ru-RU" sz="2400" dirty="0"/>
+          </a:p>
+        </p:txBody>
+      </p:sp>
+      <p:cxnSp>
+        <p:nvCxnSpPr>
+          <p:cNvPr id="53" name="Прямая со стрелкой 52"/>
+          <p:cNvCxnSpPr>
+            <a:stCxn id="50" idx="3"/>
+            <a:endCxn id="51" idx="0"/>
+          </p:cNvCxnSpPr>
+          <p:nvPr/>
+        </p:nvCxnSpPr>
+        <p:spPr>
+          <a:xfrm>
+            <a:off x="5148064" y="2193833"/>
+            <a:ext cx="1824834" cy="1049455"/>
+          </a:xfrm>
+          <a:prstGeom prst="straightConnector1">
+            <a:avLst/>
+          </a:prstGeom>
+          <a:ln w="76200">
+            <a:tailEnd type="triangle"/>
+          </a:ln>
+        </p:spPr>
+        <p:style>
+          <a:lnRef idx="1">
+            <a:schemeClr val="accent1"/>
+          </a:lnRef>
+          <a:fillRef idx="0">
+            <a:schemeClr val="accent1"/>
+          </a:fillRef>
+          <a:effectRef idx="0">
+            <a:schemeClr val="accent1"/>
+          </a:effectRef>
+          <a:fontRef idx="minor">
+            <a:schemeClr val="tx1"/>
+          </a:fontRef>
+        </p:style>
+      </p:cxnSp>
+      <p:sp>
+        <p:nvSpPr>
+          <p:cNvPr id="61" name="Прямоугольник 60"/>
+          <p:cNvSpPr/>
+          <p:nvPr/>
+        </p:nvSpPr>
+        <p:spPr>
+          <a:xfrm>
+            <a:off x="395536" y="3573016"/>
+            <a:ext cx="2304256" cy="1932833"/>
+          </a:xfrm>
+          <a:prstGeom prst="rect">
+            <a:avLst/>
+          </a:prstGeom>
+          <a:solidFill>
+            <a:srgbClr val="00B050"/>
+          </a:solidFill>
+        </p:spPr>
+        <p:style>
+          <a:lnRef idx="2">
+            <a:schemeClr val="accent1">
+              <a:shade val="50000"/>
+            </a:schemeClr>
+          </a:lnRef>
+          <a:fillRef idx="1">
+            <a:schemeClr val="accent1"/>
+          </a:fillRef>
+          <a:effectRef idx="0">
+            <a:schemeClr val="accent1"/>
+          </a:effectRef>
+          <a:fontRef idx="minor">
+            <a:schemeClr val="lt1"/>
+          </a:fontRef>
+        </p:style>
+        <p:txBody>
+          <a:bodyPr rtlCol="0" anchor="ctr"/>
+          <a:lstStyle/>
+          <a:p>
+            <a:pPr algn="ctr"/>
+            <a:r>
+              <a:rPr lang="ru-RU" sz="2400" dirty="0" smtClean="0"/>
+              <a:t>Передача лучшей комбинации клиенту-передатчику</a:t>
+            </a:r>
+            <a:endParaRPr lang="ru-RU" sz="2400" dirty="0"/>
+          </a:p>
+        </p:txBody>
+      </p:sp>
+      <p:cxnSp>
+        <p:nvCxnSpPr>
+          <p:cNvPr id="65" name="Прямая со стрелкой 64"/>
+          <p:cNvCxnSpPr>
+            <a:stCxn id="51" idx="1"/>
+            <a:endCxn id="61" idx="3"/>
+          </p:cNvCxnSpPr>
+          <p:nvPr/>
+        </p:nvCxnSpPr>
+        <p:spPr>
+          <a:xfrm flipH="1">
+            <a:off x="2699792" y="4539432"/>
+            <a:ext cx="2275138" cy="1"/>
+          </a:xfrm>
+          <a:prstGeom prst="straightConnector1">
+            <a:avLst/>
+          </a:prstGeom>
+          <a:ln w="76200">
+            <a:tailEnd type="triangle"/>
+          </a:ln>
+        </p:spPr>
+        <p:style>
+          <a:lnRef idx="1">
+            <a:schemeClr val="accent1"/>
+          </a:lnRef>
+          <a:fillRef idx="0">
+            <a:schemeClr val="accent1"/>
+          </a:fillRef>
+          <a:effectRef idx="0">
+            <a:schemeClr val="accent1"/>
+          </a:effectRef>
+          <a:fontRef idx="minor">
+            <a:schemeClr val="tx1"/>
+          </a:fontRef>
+        </p:style>
+      </p:cxnSp>
+      <p:cxnSp>
+        <p:nvCxnSpPr>
+          <p:cNvPr id="67" name="Прямая со стрелкой 66"/>
+          <p:cNvCxnSpPr>
+            <a:stCxn id="61" idx="0"/>
+            <a:endCxn id="50" idx="1"/>
+          </p:cNvCxnSpPr>
+          <p:nvPr/>
+        </p:nvCxnSpPr>
+        <p:spPr>
+          <a:xfrm flipV="1">
+            <a:off x="1547664" y="2193833"/>
+            <a:ext cx="1440160" cy="1379183"/>
+          </a:xfrm>
+          <a:prstGeom prst="straightConnector1">
+            <a:avLst/>
+          </a:prstGeom>
+          <a:ln w="76200">
+            <a:tailEnd type="triangle"/>
+          </a:ln>
+        </p:spPr>
+        <p:style>
+          <a:lnRef idx="1">
+            <a:schemeClr val="accent1"/>
+          </a:lnRef>
+          <a:fillRef idx="0">
+            <a:schemeClr val="accent1"/>
+          </a:fillRef>
+          <a:effectRef idx="0">
+            <a:schemeClr val="accent1"/>
+          </a:effectRef>
+          <a:fontRef idx="minor">
+            <a:schemeClr val="tx1"/>
+          </a:fontRef>
+        </p:style>
+      </p:cxnSp>
+      <p:grpSp>
+        <p:nvGrpSpPr>
+          <p:cNvPr id="3" name="Группа 28"/>
+          <p:cNvGrpSpPr/>
+          <p:nvPr/>
+        </p:nvGrpSpPr>
+        <p:grpSpPr>
+          <a:xfrm>
+            <a:off x="4974930" y="3243288"/>
+            <a:ext cx="3995936" cy="2592288"/>
+            <a:chOff x="5148064" y="3573016"/>
+            <a:chExt cx="3995936" cy="2592288"/>
+          </a:xfrm>
+        </p:grpSpPr>
+        <p:sp>
+          <p:nvSpPr>
+            <p:cNvPr id="51" name="Прямоугольник 50"/>
+            <p:cNvSpPr/>
+            <p:nvPr/>
+          </p:nvSpPr>
+          <p:spPr>
+            <a:xfrm>
+              <a:off x="5148064" y="3573016"/>
+              <a:ext cx="3995936" cy="2592288"/>
+            </a:xfrm>
+            <a:prstGeom prst="rect">
+              <a:avLst/>
+            </a:prstGeom>
+            <a:solidFill>
+              <a:srgbClr val="FFC000"/>
+            </a:solidFill>
+          </p:spPr>
+          <p:style>
+            <a:lnRef idx="2">
+              <a:schemeClr val="accent1">
+                <a:shade val="50000"/>
+              </a:schemeClr>
+            </a:lnRef>
+            <a:fillRef idx="1">
+              <a:schemeClr val="accent1"/>
+            </a:fillRef>
+            <a:effectRef idx="0">
+              <a:schemeClr val="accent1"/>
+            </a:effectRef>
+            <a:fontRef idx="minor">
+              <a:schemeClr val="lt1"/>
+            </a:fontRef>
+          </p:style>
+          <p:txBody>
+            <a:bodyPr rtlCol="0" anchor="ctr"/>
+            <a:lstStyle/>
+            <a:p>
+              <a:r>
+                <a:rPr lang="ru-RU" sz="2400" dirty="0" smtClean="0">
+                  <a:solidFill>
+                    <a:schemeClr val="tx1"/>
+                  </a:solidFill>
+                </a:rPr>
+                <a:t>Перебор 1000000 вариантов</a:t>
+              </a:r>
+            </a:p>
+            <a:p>
+              <a:endParaRPr lang="ru-RU" sz="2400" dirty="0" smtClean="0"/>
+            </a:p>
+            <a:p>
+              <a:endParaRPr lang="ru-RU" sz="2400" dirty="0" smtClean="0"/>
+            </a:p>
+            <a:p>
+              <a:endParaRPr lang="ru-RU" sz="2400" dirty="0"/>
+            </a:p>
+            <a:p>
+              <a:endParaRPr lang="ru-RU" sz="2400" dirty="0" smtClean="0"/>
+            </a:p>
+            <a:p>
+              <a:endParaRPr lang="ru-RU" sz="2400" dirty="0"/>
+            </a:p>
+            <a:p>
+              <a:endParaRPr lang="ru-RU" sz="2400" dirty="0"/>
+            </a:p>
+          </p:txBody>
+        </p:sp>
+        <p:sp>
+          <p:nvSpPr>
+            <p:cNvPr id="55" name="Прямоугольник 54"/>
+            <p:cNvSpPr/>
+            <p:nvPr/>
+          </p:nvSpPr>
+          <p:spPr>
+            <a:xfrm>
+              <a:off x="5544108" y="4005064"/>
+              <a:ext cx="3599892" cy="432048"/>
+            </a:xfrm>
+            <a:prstGeom prst="rect">
+              <a:avLst/>
+            </a:prstGeom>
+          </p:spPr>
+          <p:style>
+            <a:lnRef idx="2">
+              <a:schemeClr val="accent1">
+                <a:shade val="50000"/>
+              </a:schemeClr>
+            </a:lnRef>
+            <a:fillRef idx="1">
+              <a:schemeClr val="accent1"/>
+            </a:fillRef>
+            <a:effectRef idx="0">
+              <a:schemeClr val="accent1"/>
+            </a:effectRef>
+            <a:fontRef idx="minor">
+              <a:schemeClr val="lt1"/>
+            </a:fontRef>
+          </p:style>
+          <p:txBody>
+            <a:bodyPr rtlCol="0" anchor="ctr"/>
+            <a:lstStyle/>
+            <a:p>
+              <a:pPr algn="ctr"/>
+              <a:r>
+                <a:rPr lang="ru-RU" sz="2400" dirty="0" smtClean="0"/>
+                <a:t>Перевод числа в массив</a:t>
+              </a:r>
+              <a:endParaRPr lang="ru-RU" sz="2400" dirty="0"/>
+            </a:p>
+          </p:txBody>
+        </p:sp>
+        <p:sp>
+          <p:nvSpPr>
+            <p:cNvPr id="56" name="Прямоугольник 55"/>
+            <p:cNvSpPr/>
+            <p:nvPr/>
+          </p:nvSpPr>
+          <p:spPr>
+            <a:xfrm>
+              <a:off x="5543053" y="4648025"/>
+              <a:ext cx="3599892" cy="432545"/>
+            </a:xfrm>
+            <a:prstGeom prst="rect">
+              <a:avLst/>
+            </a:prstGeom>
+          </p:spPr>
+          <p:style>
+            <a:lnRef idx="2">
+              <a:schemeClr val="accent1">
+                <a:shade val="50000"/>
+              </a:schemeClr>
+            </a:lnRef>
+            <a:fillRef idx="1">
+              <a:schemeClr val="accent1"/>
+            </a:fillRef>
+            <a:effectRef idx="0">
+              <a:schemeClr val="accent1"/>
+            </a:effectRef>
+            <a:fontRef idx="minor">
+              <a:schemeClr val="lt1"/>
+            </a:fontRef>
+          </p:style>
+          <p:txBody>
+            <a:bodyPr rtlCol="0" anchor="ctr"/>
+            <a:lstStyle/>
+            <a:p>
+              <a:pPr algn="ctr"/>
+              <a:r>
+                <a:rPr lang="ru-RU" sz="2400" dirty="0" smtClean="0"/>
+                <a:t>Симуляция игры</a:t>
+              </a:r>
+              <a:endParaRPr lang="ru-RU" sz="2400" dirty="0"/>
+            </a:p>
+          </p:txBody>
+        </p:sp>
+        <p:sp>
+          <p:nvSpPr>
+            <p:cNvPr id="57" name="Прямоугольник 56"/>
+            <p:cNvSpPr/>
+            <p:nvPr/>
+          </p:nvSpPr>
+          <p:spPr>
+            <a:xfrm>
+              <a:off x="5544108" y="5289574"/>
+              <a:ext cx="3599892" cy="659706"/>
+            </a:xfrm>
+            <a:prstGeom prst="rect">
+              <a:avLst/>
+            </a:prstGeom>
+          </p:spPr>
+          <p:style>
+            <a:lnRef idx="2">
+              <a:schemeClr val="accent1">
+                <a:shade val="50000"/>
+              </a:schemeClr>
+            </a:lnRef>
+            <a:fillRef idx="1">
+              <a:schemeClr val="accent1"/>
+            </a:fillRef>
+            <a:effectRef idx="0">
+              <a:schemeClr val="accent1"/>
+            </a:effectRef>
+            <a:fontRef idx="minor">
+              <a:schemeClr val="lt1"/>
+            </a:fontRef>
+          </p:style>
+          <p:txBody>
+            <a:bodyPr rtlCol="0" anchor="ctr"/>
+            <a:lstStyle/>
+            <a:p>
+              <a:pPr algn="ctr"/>
+              <a:r>
+                <a:rPr lang="ru-RU" sz="2400" dirty="0" smtClean="0"/>
+                <a:t>Нахождение лучшей комбинации</a:t>
+              </a:r>
+              <a:endParaRPr lang="ru-RU" sz="2400" dirty="0"/>
+            </a:p>
+          </p:txBody>
+        </p:sp>
+        <p:cxnSp>
+          <p:nvCxnSpPr>
+            <p:cNvPr id="69" name="Прямая со стрелкой 68"/>
+            <p:cNvCxnSpPr>
+              <a:stCxn id="55" idx="2"/>
+            </p:cNvCxnSpPr>
+            <p:nvPr/>
+          </p:nvCxnSpPr>
+          <p:spPr>
+            <a:xfrm flipH="1">
+              <a:off x="7342999" y="4437112"/>
+              <a:ext cx="1055" cy="210913"/>
+            </a:xfrm>
+            <a:prstGeom prst="straightConnector1">
+              <a:avLst/>
+            </a:prstGeom>
+            <a:ln>
+              <a:tailEnd type="triangle"/>
+            </a:ln>
+          </p:spPr>
+          <p:style>
+            <a:lnRef idx="1">
+              <a:schemeClr val="accent1"/>
+            </a:lnRef>
+            <a:fillRef idx="0">
+              <a:schemeClr val="accent1"/>
+            </a:fillRef>
+            <a:effectRef idx="0">
+              <a:schemeClr val="accent1"/>
+            </a:effectRef>
+            <a:fontRef idx="minor">
+              <a:schemeClr val="tx1"/>
+            </a:fontRef>
+          </p:style>
+        </p:cxnSp>
+        <p:cxnSp>
+          <p:nvCxnSpPr>
+            <p:cNvPr id="71" name="Прямая со стрелкой 70"/>
+            <p:cNvCxnSpPr>
+              <a:stCxn id="56" idx="2"/>
+              <a:endCxn id="57" idx="0"/>
+            </p:cNvCxnSpPr>
+            <p:nvPr/>
+          </p:nvCxnSpPr>
+          <p:spPr>
+            <a:xfrm>
+              <a:off x="7342999" y="5080570"/>
+              <a:ext cx="1055" cy="209004"/>
+            </a:xfrm>
+            <a:prstGeom prst="straightConnector1">
+              <a:avLst/>
+            </a:prstGeom>
+            <a:ln>
+              <a:tailEnd type="triangle"/>
+            </a:ln>
+          </p:spPr>
+          <p:style>
+            <a:lnRef idx="1">
+              <a:schemeClr val="accent1"/>
+            </a:lnRef>
+            <a:fillRef idx="0">
+              <a:schemeClr val="accent1"/>
+            </a:fillRef>
+            <a:effectRef idx="0">
+              <a:schemeClr val="accent1"/>
+            </a:effectRef>
+            <a:fontRef idx="minor">
+              <a:schemeClr val="tx1"/>
+            </a:fontRef>
+          </p:style>
+        </p:cxnSp>
+        <p:cxnSp>
+          <p:nvCxnSpPr>
+            <p:cNvPr id="73" name="Соединительная линия уступом 72"/>
+            <p:cNvCxnSpPr>
+              <a:stCxn id="57" idx="1"/>
+              <a:endCxn id="55" idx="1"/>
+            </p:cNvCxnSpPr>
+            <p:nvPr/>
+          </p:nvCxnSpPr>
+          <p:spPr>
+            <a:xfrm rot="10800000">
+              <a:off x="5544108" y="4221089"/>
+              <a:ext cx="12700" cy="1398339"/>
+            </a:xfrm>
+            <a:prstGeom prst="bentConnector3">
+              <a:avLst>
+                <a:gd name="adj1" fmla="val 1800000"/>
+              </a:avLst>
+            </a:prstGeom>
+            <a:ln>
+              <a:tailEnd type="triangle"/>
+            </a:ln>
+          </p:spPr>
+          <p:style>
+            <a:lnRef idx="1">
+              <a:schemeClr val="accent1"/>
+            </a:lnRef>
+            <a:fillRef idx="0">
+              <a:schemeClr val="accent1"/>
+            </a:fillRef>
+            <a:effectRef idx="0">
+              <a:schemeClr val="accent1"/>
+            </a:effectRef>
+            <a:fontRef idx="minor">
+              <a:schemeClr val="tx1"/>
+            </a:fontRef>
+          </p:style>
+        </p:cxnSp>
+      </p:grpSp>
+    </p:spTree>
+    <p:extLst>
+      <p:ext uri="{BB962C8B-B14F-4D97-AF65-F5344CB8AC3E}">
+        <p14:creationId xmlns:p14="http://schemas.microsoft.com/office/powerpoint/2010/main" xmlns="" val="1081426320"/>
+      </p:ext>
+    </p:extLst>
+  </p:cSld>
+  <p:clrMapOvr>
+    <a:masterClrMapping/>
+  </p:clrMapOvr>
+  <p:timing>
+    <p:tnLst>
+      <p:par>
+        <p:cTn id="1" dur="indefinite" restart="never" nodeType="tmRoot"/>
+      </p:par>
+    </p:tnLst>
+  </p:timing>
 </p:sld>
 </file>
 
